--- a/제작/뷰 제작.pptx
+++ b/제작/뷰 제작.pptx
@@ -9,6 +9,8 @@
     <p:sldId id="257" r:id="rId3"/>
     <p:sldId id="259" r:id="rId4"/>
     <p:sldId id="260" r:id="rId5"/>
+    <p:sldId id="261" r:id="rId6"/>
+    <p:sldId id="262" r:id="rId7"/>
   </p:sldIdLst>
   <p:sldSz cx="9144000" cy="6858000" type="screen4x3"/>
   <p:notesSz cx="6858000" cy="9144000"/>
@@ -107,6 +109,22 @@
       </a:defRPr>
     </a:lvl9pPr>
   </p:defaultTextStyle>
+  <p:extLst>
+    <p:ext uri="{EFAFB233-063F-42B5-8137-9DF3F51BA10A}">
+      <p15:sldGuideLst xmlns:p15="http://schemas.microsoft.com/office/powerpoint/2012/main">
+        <p15:guide id="1" orient="horz" pos="2160">
+          <p15:clr>
+            <a:srgbClr val="A4A3A4"/>
+          </p15:clr>
+        </p15:guide>
+        <p15:guide id="2" pos="2880">
+          <p15:clr>
+            <a:srgbClr val="A4A3A4"/>
+          </p15:clr>
+        </p15:guide>
+      </p15:sldGuideLst>
+    </p:ext>
+  </p:extLst>
 </p:presentation>
 </file>
 
@@ -148,10 +166,9 @@
           <a:lstStyle/>
           <a:p>
             <a:r>
-              <a:rPr lang="ko-KR" altLang="en-US" smtClean="0"/>
+              <a:rPr lang="ko-KR" altLang="en-US"/>
               <a:t>마스터 제목 스타일 편집</a:t>
             </a:r>
-            <a:endParaRPr lang="ko-KR" altLang="en-US"/>
           </a:p>
         </p:txBody>
       </p:sp>
@@ -267,10 +284,9 @@
           </a:lstStyle>
           <a:p>
             <a:r>
-              <a:rPr lang="ko-KR" altLang="en-US" smtClean="0"/>
+              <a:rPr lang="ko-KR" altLang="en-US"/>
               <a:t>마스터 부제목 스타일 편집</a:t>
             </a:r>
-            <a:endParaRPr lang="ko-KR" altLang="en-US"/>
           </a:p>
         </p:txBody>
       </p:sp>
@@ -291,7 +307,7 @@
           <a:p>
             <a:fld id="{5E89329E-BE11-4AEF-90E2-A0329AC9D4C4}" type="datetimeFigureOut">
               <a:rPr lang="ko-KR" altLang="en-US" smtClean="0"/>
-              <a:t>2023-03-24</a:t>
+              <a:t>2023-03-28</a:t>
             </a:fld>
             <a:endParaRPr lang="ko-KR" altLang="en-US"/>
           </a:p>
@@ -385,10 +401,9 @@
           <a:lstStyle/>
           <a:p>
             <a:r>
-              <a:rPr lang="ko-KR" altLang="en-US" smtClean="0"/>
+              <a:rPr lang="ko-KR" altLang="en-US"/>
               <a:t>마스터 제목 스타일 편집</a:t>
             </a:r>
-            <a:endParaRPr lang="ko-KR" altLang="en-US"/>
           </a:p>
         </p:txBody>
       </p:sp>
@@ -409,38 +424,37 @@
           <a:p>
             <a:pPr lvl="0"/>
             <a:r>
-              <a:rPr lang="ko-KR" altLang="en-US" smtClean="0"/>
+              <a:rPr lang="ko-KR" altLang="en-US"/>
               <a:t>마스터 텍스트 스타일을 편집합니다</a:t>
             </a:r>
           </a:p>
           <a:p>
             <a:pPr lvl="1"/>
             <a:r>
-              <a:rPr lang="ko-KR" altLang="en-US" smtClean="0"/>
+              <a:rPr lang="ko-KR" altLang="en-US"/>
               <a:t>둘째 수준</a:t>
             </a:r>
           </a:p>
           <a:p>
             <a:pPr lvl="2"/>
             <a:r>
-              <a:rPr lang="ko-KR" altLang="en-US" smtClean="0"/>
+              <a:rPr lang="ko-KR" altLang="en-US"/>
               <a:t>셋째 수준</a:t>
             </a:r>
           </a:p>
           <a:p>
             <a:pPr lvl="3"/>
             <a:r>
-              <a:rPr lang="ko-KR" altLang="en-US" smtClean="0"/>
+              <a:rPr lang="ko-KR" altLang="en-US"/>
               <a:t>넷째 수준</a:t>
             </a:r>
           </a:p>
           <a:p>
             <a:pPr lvl="4"/>
             <a:r>
-              <a:rPr lang="ko-KR" altLang="en-US" smtClean="0"/>
+              <a:rPr lang="ko-KR" altLang="en-US"/>
               <a:t>다섯째 수준</a:t>
             </a:r>
-            <a:endParaRPr lang="ko-KR" altLang="en-US"/>
           </a:p>
         </p:txBody>
       </p:sp>
@@ -461,7 +475,7 @@
           <a:p>
             <a:fld id="{5E89329E-BE11-4AEF-90E2-A0329AC9D4C4}" type="datetimeFigureOut">
               <a:rPr lang="ko-KR" altLang="en-US" smtClean="0"/>
-              <a:t>2023-03-24</a:t>
+              <a:t>2023-03-28</a:t>
             </a:fld>
             <a:endParaRPr lang="ko-KR" altLang="en-US"/>
           </a:p>
@@ -560,10 +574,9 @@
           <a:lstStyle/>
           <a:p>
             <a:r>
-              <a:rPr lang="ko-KR" altLang="en-US" smtClean="0"/>
+              <a:rPr lang="ko-KR" altLang="en-US"/>
               <a:t>마스터 제목 스타일 편집</a:t>
             </a:r>
-            <a:endParaRPr lang="ko-KR" altLang="en-US"/>
           </a:p>
         </p:txBody>
       </p:sp>
@@ -589,38 +602,37 @@
           <a:p>
             <a:pPr lvl="0"/>
             <a:r>
-              <a:rPr lang="ko-KR" altLang="en-US" smtClean="0"/>
+              <a:rPr lang="ko-KR" altLang="en-US"/>
               <a:t>마스터 텍스트 스타일을 편집합니다</a:t>
             </a:r>
           </a:p>
           <a:p>
             <a:pPr lvl="1"/>
             <a:r>
-              <a:rPr lang="ko-KR" altLang="en-US" smtClean="0"/>
+              <a:rPr lang="ko-KR" altLang="en-US"/>
               <a:t>둘째 수준</a:t>
             </a:r>
           </a:p>
           <a:p>
             <a:pPr lvl="2"/>
             <a:r>
-              <a:rPr lang="ko-KR" altLang="en-US" smtClean="0"/>
+              <a:rPr lang="ko-KR" altLang="en-US"/>
               <a:t>셋째 수준</a:t>
             </a:r>
           </a:p>
           <a:p>
             <a:pPr lvl="3"/>
             <a:r>
-              <a:rPr lang="ko-KR" altLang="en-US" smtClean="0"/>
+              <a:rPr lang="ko-KR" altLang="en-US"/>
               <a:t>넷째 수준</a:t>
             </a:r>
           </a:p>
           <a:p>
             <a:pPr lvl="4"/>
             <a:r>
-              <a:rPr lang="ko-KR" altLang="en-US" smtClean="0"/>
+              <a:rPr lang="ko-KR" altLang="en-US"/>
               <a:t>다섯째 수준</a:t>
             </a:r>
-            <a:endParaRPr lang="ko-KR" altLang="en-US"/>
           </a:p>
         </p:txBody>
       </p:sp>
@@ -641,7 +653,7 @@
           <a:p>
             <a:fld id="{5E89329E-BE11-4AEF-90E2-A0329AC9D4C4}" type="datetimeFigureOut">
               <a:rPr lang="ko-KR" altLang="en-US" smtClean="0"/>
-              <a:t>2023-03-24</a:t>
+              <a:t>2023-03-28</a:t>
             </a:fld>
             <a:endParaRPr lang="ko-KR" altLang="en-US"/>
           </a:p>
@@ -735,10 +747,9 @@
           <a:lstStyle/>
           <a:p>
             <a:r>
-              <a:rPr lang="ko-KR" altLang="en-US" smtClean="0"/>
+              <a:rPr lang="ko-KR" altLang="en-US"/>
               <a:t>마스터 제목 스타일 편집</a:t>
             </a:r>
-            <a:endParaRPr lang="ko-KR" altLang="en-US"/>
           </a:p>
         </p:txBody>
       </p:sp>
@@ -759,38 +770,37 @@
           <a:p>
             <a:pPr lvl="0"/>
             <a:r>
-              <a:rPr lang="ko-KR" altLang="en-US" smtClean="0"/>
+              <a:rPr lang="ko-KR" altLang="en-US"/>
               <a:t>마스터 텍스트 스타일을 편집합니다</a:t>
             </a:r>
           </a:p>
           <a:p>
             <a:pPr lvl="1"/>
             <a:r>
-              <a:rPr lang="ko-KR" altLang="en-US" smtClean="0"/>
+              <a:rPr lang="ko-KR" altLang="en-US"/>
               <a:t>둘째 수준</a:t>
             </a:r>
           </a:p>
           <a:p>
             <a:pPr lvl="2"/>
             <a:r>
-              <a:rPr lang="ko-KR" altLang="en-US" smtClean="0"/>
+              <a:rPr lang="ko-KR" altLang="en-US"/>
               <a:t>셋째 수준</a:t>
             </a:r>
           </a:p>
           <a:p>
             <a:pPr lvl="3"/>
             <a:r>
-              <a:rPr lang="ko-KR" altLang="en-US" smtClean="0"/>
+              <a:rPr lang="ko-KR" altLang="en-US"/>
               <a:t>넷째 수준</a:t>
             </a:r>
           </a:p>
           <a:p>
             <a:pPr lvl="4"/>
             <a:r>
-              <a:rPr lang="ko-KR" altLang="en-US" smtClean="0"/>
+              <a:rPr lang="ko-KR" altLang="en-US"/>
               <a:t>다섯째 수준</a:t>
             </a:r>
-            <a:endParaRPr lang="ko-KR" altLang="en-US"/>
           </a:p>
         </p:txBody>
       </p:sp>
@@ -811,7 +821,7 @@
           <a:p>
             <a:fld id="{5E89329E-BE11-4AEF-90E2-A0329AC9D4C4}" type="datetimeFigureOut">
               <a:rPr lang="ko-KR" altLang="en-US" smtClean="0"/>
-              <a:t>2023-03-24</a:t>
+              <a:t>2023-03-28</a:t>
             </a:fld>
             <a:endParaRPr lang="ko-KR" altLang="en-US"/>
           </a:p>
@@ -914,10 +924,9 @@
           </a:lstStyle>
           <a:p>
             <a:r>
-              <a:rPr lang="ko-KR" altLang="en-US" smtClean="0"/>
+              <a:rPr lang="ko-KR" altLang="en-US"/>
               <a:t>마스터 제목 스타일 편집</a:t>
             </a:r>
-            <a:endParaRPr lang="ko-KR" altLang="en-US"/>
           </a:p>
         </p:txBody>
       </p:sp>
@@ -1034,7 +1043,7 @@
           <a:p>
             <a:pPr lvl="0"/>
             <a:r>
-              <a:rPr lang="ko-KR" altLang="en-US" smtClean="0"/>
+              <a:rPr lang="ko-KR" altLang="en-US"/>
               <a:t>마스터 텍스트 스타일을 편집합니다</a:t>
             </a:r>
           </a:p>
@@ -1057,7 +1066,7 @@
           <a:p>
             <a:fld id="{5E89329E-BE11-4AEF-90E2-A0329AC9D4C4}" type="datetimeFigureOut">
               <a:rPr lang="ko-KR" altLang="en-US" smtClean="0"/>
-              <a:t>2023-03-24</a:t>
+              <a:t>2023-03-28</a:t>
             </a:fld>
             <a:endParaRPr lang="ko-KR" altLang="en-US"/>
           </a:p>
@@ -1151,10 +1160,9 @@
           <a:lstStyle/>
           <a:p>
             <a:r>
-              <a:rPr lang="ko-KR" altLang="en-US" smtClean="0"/>
+              <a:rPr lang="ko-KR" altLang="en-US"/>
               <a:t>마스터 제목 스타일 편집</a:t>
             </a:r>
-            <a:endParaRPr lang="ko-KR" altLang="en-US"/>
           </a:p>
         </p:txBody>
       </p:sp>
@@ -1208,38 +1216,37 @@
           <a:p>
             <a:pPr lvl="0"/>
             <a:r>
-              <a:rPr lang="ko-KR" altLang="en-US" smtClean="0"/>
+              <a:rPr lang="ko-KR" altLang="en-US"/>
               <a:t>마스터 텍스트 스타일을 편집합니다</a:t>
             </a:r>
           </a:p>
           <a:p>
             <a:pPr lvl="1"/>
             <a:r>
-              <a:rPr lang="ko-KR" altLang="en-US" smtClean="0"/>
+              <a:rPr lang="ko-KR" altLang="en-US"/>
               <a:t>둘째 수준</a:t>
             </a:r>
           </a:p>
           <a:p>
             <a:pPr lvl="2"/>
             <a:r>
-              <a:rPr lang="ko-KR" altLang="en-US" smtClean="0"/>
+              <a:rPr lang="ko-KR" altLang="en-US"/>
               <a:t>셋째 수준</a:t>
             </a:r>
           </a:p>
           <a:p>
             <a:pPr lvl="3"/>
             <a:r>
-              <a:rPr lang="ko-KR" altLang="en-US" smtClean="0"/>
+              <a:rPr lang="ko-KR" altLang="en-US"/>
               <a:t>넷째 수준</a:t>
             </a:r>
           </a:p>
           <a:p>
             <a:pPr lvl="4"/>
             <a:r>
-              <a:rPr lang="ko-KR" altLang="en-US" smtClean="0"/>
+              <a:rPr lang="ko-KR" altLang="en-US"/>
               <a:t>다섯째 수준</a:t>
             </a:r>
-            <a:endParaRPr lang="ko-KR" altLang="en-US"/>
           </a:p>
         </p:txBody>
       </p:sp>
@@ -1293,38 +1300,37 @@
           <a:p>
             <a:pPr lvl="0"/>
             <a:r>
-              <a:rPr lang="ko-KR" altLang="en-US" smtClean="0"/>
+              <a:rPr lang="ko-KR" altLang="en-US"/>
               <a:t>마스터 텍스트 스타일을 편집합니다</a:t>
             </a:r>
           </a:p>
           <a:p>
             <a:pPr lvl="1"/>
             <a:r>
-              <a:rPr lang="ko-KR" altLang="en-US" smtClean="0"/>
+              <a:rPr lang="ko-KR" altLang="en-US"/>
               <a:t>둘째 수준</a:t>
             </a:r>
           </a:p>
           <a:p>
             <a:pPr lvl="2"/>
             <a:r>
-              <a:rPr lang="ko-KR" altLang="en-US" smtClean="0"/>
+              <a:rPr lang="ko-KR" altLang="en-US"/>
               <a:t>셋째 수준</a:t>
             </a:r>
           </a:p>
           <a:p>
             <a:pPr lvl="3"/>
             <a:r>
-              <a:rPr lang="ko-KR" altLang="en-US" smtClean="0"/>
+              <a:rPr lang="ko-KR" altLang="en-US"/>
               <a:t>넷째 수준</a:t>
             </a:r>
           </a:p>
           <a:p>
             <a:pPr lvl="4"/>
             <a:r>
-              <a:rPr lang="ko-KR" altLang="en-US" smtClean="0"/>
+              <a:rPr lang="ko-KR" altLang="en-US"/>
               <a:t>다섯째 수준</a:t>
             </a:r>
-            <a:endParaRPr lang="ko-KR" altLang="en-US"/>
           </a:p>
         </p:txBody>
       </p:sp>
@@ -1345,7 +1351,7 @@
           <a:p>
             <a:fld id="{5E89329E-BE11-4AEF-90E2-A0329AC9D4C4}" type="datetimeFigureOut">
               <a:rPr lang="ko-KR" altLang="en-US" smtClean="0"/>
-              <a:t>2023-03-24</a:t>
+              <a:t>2023-03-28</a:t>
             </a:fld>
             <a:endParaRPr lang="ko-KR" altLang="en-US"/>
           </a:p>
@@ -1443,10 +1449,9 @@
           </a:lstStyle>
           <a:p>
             <a:r>
-              <a:rPr lang="ko-KR" altLang="en-US" smtClean="0"/>
+              <a:rPr lang="ko-KR" altLang="en-US"/>
               <a:t>마스터 제목 스타일 편집</a:t>
             </a:r>
-            <a:endParaRPr lang="ko-KR" altLang="en-US"/>
           </a:p>
         </p:txBody>
       </p:sp>
@@ -1509,7 +1514,7 @@
           <a:p>
             <a:pPr lvl="0"/>
             <a:r>
-              <a:rPr lang="ko-KR" altLang="en-US" smtClean="0"/>
+              <a:rPr lang="ko-KR" altLang="en-US"/>
               <a:t>마스터 텍스트 스타일을 편집합니다</a:t>
             </a:r>
           </a:p>
@@ -1565,38 +1570,37 @@
           <a:p>
             <a:pPr lvl="0"/>
             <a:r>
-              <a:rPr lang="ko-KR" altLang="en-US" smtClean="0"/>
+              <a:rPr lang="ko-KR" altLang="en-US"/>
               <a:t>마스터 텍스트 스타일을 편집합니다</a:t>
             </a:r>
           </a:p>
           <a:p>
             <a:pPr lvl="1"/>
             <a:r>
-              <a:rPr lang="ko-KR" altLang="en-US" smtClean="0"/>
+              <a:rPr lang="ko-KR" altLang="en-US"/>
               <a:t>둘째 수준</a:t>
             </a:r>
           </a:p>
           <a:p>
             <a:pPr lvl="2"/>
             <a:r>
-              <a:rPr lang="ko-KR" altLang="en-US" smtClean="0"/>
+              <a:rPr lang="ko-KR" altLang="en-US"/>
               <a:t>셋째 수준</a:t>
             </a:r>
           </a:p>
           <a:p>
             <a:pPr lvl="3"/>
             <a:r>
-              <a:rPr lang="ko-KR" altLang="en-US" smtClean="0"/>
+              <a:rPr lang="ko-KR" altLang="en-US"/>
               <a:t>넷째 수준</a:t>
             </a:r>
           </a:p>
           <a:p>
             <a:pPr lvl="4"/>
             <a:r>
-              <a:rPr lang="ko-KR" altLang="en-US" smtClean="0"/>
+              <a:rPr lang="ko-KR" altLang="en-US"/>
               <a:t>다섯째 수준</a:t>
             </a:r>
-            <a:endParaRPr lang="ko-KR" altLang="en-US"/>
           </a:p>
         </p:txBody>
       </p:sp>
@@ -1659,7 +1663,7 @@
           <a:p>
             <a:pPr lvl="0"/>
             <a:r>
-              <a:rPr lang="ko-KR" altLang="en-US" smtClean="0"/>
+              <a:rPr lang="ko-KR" altLang="en-US"/>
               <a:t>마스터 텍스트 스타일을 편집합니다</a:t>
             </a:r>
           </a:p>
@@ -1715,38 +1719,37 @@
           <a:p>
             <a:pPr lvl="0"/>
             <a:r>
-              <a:rPr lang="ko-KR" altLang="en-US" smtClean="0"/>
+              <a:rPr lang="ko-KR" altLang="en-US"/>
               <a:t>마스터 텍스트 스타일을 편집합니다</a:t>
             </a:r>
           </a:p>
           <a:p>
             <a:pPr lvl="1"/>
             <a:r>
-              <a:rPr lang="ko-KR" altLang="en-US" smtClean="0"/>
+              <a:rPr lang="ko-KR" altLang="en-US"/>
               <a:t>둘째 수준</a:t>
             </a:r>
           </a:p>
           <a:p>
             <a:pPr lvl="2"/>
             <a:r>
-              <a:rPr lang="ko-KR" altLang="en-US" smtClean="0"/>
+              <a:rPr lang="ko-KR" altLang="en-US"/>
               <a:t>셋째 수준</a:t>
             </a:r>
           </a:p>
           <a:p>
             <a:pPr lvl="3"/>
             <a:r>
-              <a:rPr lang="ko-KR" altLang="en-US" smtClean="0"/>
+              <a:rPr lang="ko-KR" altLang="en-US"/>
               <a:t>넷째 수준</a:t>
             </a:r>
           </a:p>
           <a:p>
             <a:pPr lvl="4"/>
             <a:r>
-              <a:rPr lang="ko-KR" altLang="en-US" smtClean="0"/>
+              <a:rPr lang="ko-KR" altLang="en-US"/>
               <a:t>다섯째 수준</a:t>
             </a:r>
-            <a:endParaRPr lang="ko-KR" altLang="en-US"/>
           </a:p>
         </p:txBody>
       </p:sp>
@@ -1767,7 +1770,7 @@
           <a:p>
             <a:fld id="{5E89329E-BE11-4AEF-90E2-A0329AC9D4C4}" type="datetimeFigureOut">
               <a:rPr lang="ko-KR" altLang="en-US" smtClean="0"/>
-              <a:t>2023-03-24</a:t>
+              <a:t>2023-03-28</a:t>
             </a:fld>
             <a:endParaRPr lang="ko-KR" altLang="en-US"/>
           </a:p>
@@ -1861,10 +1864,9 @@
           <a:lstStyle/>
           <a:p>
             <a:r>
-              <a:rPr lang="ko-KR" altLang="en-US" smtClean="0"/>
+              <a:rPr lang="ko-KR" altLang="en-US"/>
               <a:t>마스터 제목 스타일 편집</a:t>
             </a:r>
-            <a:endParaRPr lang="ko-KR" altLang="en-US"/>
           </a:p>
         </p:txBody>
       </p:sp>
@@ -1885,7 +1887,7 @@
           <a:p>
             <a:fld id="{5E89329E-BE11-4AEF-90E2-A0329AC9D4C4}" type="datetimeFigureOut">
               <a:rPr lang="ko-KR" altLang="en-US" smtClean="0"/>
-              <a:t>2023-03-24</a:t>
+              <a:t>2023-03-28</a:t>
             </a:fld>
             <a:endParaRPr lang="ko-KR" altLang="en-US"/>
           </a:p>
@@ -1980,7 +1982,7 @@
           <a:p>
             <a:fld id="{5E89329E-BE11-4AEF-90E2-A0329AC9D4C4}" type="datetimeFigureOut">
               <a:rPr lang="ko-KR" altLang="en-US" smtClean="0"/>
-              <a:t>2023-03-24</a:t>
+              <a:t>2023-03-28</a:t>
             </a:fld>
             <a:endParaRPr lang="ko-KR" altLang="en-US"/>
           </a:p>
@@ -2083,10 +2085,9 @@
           </a:lstStyle>
           <a:p>
             <a:r>
-              <a:rPr lang="ko-KR" altLang="en-US" smtClean="0"/>
+              <a:rPr lang="ko-KR" altLang="en-US"/>
               <a:t>마스터 제목 스타일 편집</a:t>
             </a:r>
-            <a:endParaRPr lang="ko-KR" altLang="en-US"/>
           </a:p>
         </p:txBody>
       </p:sp>
@@ -2140,38 +2141,37 @@
           <a:p>
             <a:pPr lvl="0"/>
             <a:r>
-              <a:rPr lang="ko-KR" altLang="en-US" smtClean="0"/>
+              <a:rPr lang="ko-KR" altLang="en-US"/>
               <a:t>마스터 텍스트 스타일을 편집합니다</a:t>
             </a:r>
           </a:p>
           <a:p>
             <a:pPr lvl="1"/>
             <a:r>
-              <a:rPr lang="ko-KR" altLang="en-US" smtClean="0"/>
+              <a:rPr lang="ko-KR" altLang="en-US"/>
               <a:t>둘째 수준</a:t>
             </a:r>
           </a:p>
           <a:p>
             <a:pPr lvl="2"/>
             <a:r>
-              <a:rPr lang="ko-KR" altLang="en-US" smtClean="0"/>
+              <a:rPr lang="ko-KR" altLang="en-US"/>
               <a:t>셋째 수준</a:t>
             </a:r>
           </a:p>
           <a:p>
             <a:pPr lvl="3"/>
             <a:r>
-              <a:rPr lang="ko-KR" altLang="en-US" smtClean="0"/>
+              <a:rPr lang="ko-KR" altLang="en-US"/>
               <a:t>넷째 수준</a:t>
             </a:r>
           </a:p>
           <a:p>
             <a:pPr lvl="4"/>
             <a:r>
-              <a:rPr lang="ko-KR" altLang="en-US" smtClean="0"/>
+              <a:rPr lang="ko-KR" altLang="en-US"/>
               <a:t>다섯째 수준</a:t>
             </a:r>
-            <a:endParaRPr lang="ko-KR" altLang="en-US"/>
           </a:p>
         </p:txBody>
       </p:sp>
@@ -2234,7 +2234,7 @@
           <a:p>
             <a:pPr lvl="0"/>
             <a:r>
-              <a:rPr lang="ko-KR" altLang="en-US" smtClean="0"/>
+              <a:rPr lang="ko-KR" altLang="en-US"/>
               <a:t>마스터 텍스트 스타일을 편집합니다</a:t>
             </a:r>
           </a:p>
@@ -2257,7 +2257,7 @@
           <a:p>
             <a:fld id="{5E89329E-BE11-4AEF-90E2-A0329AC9D4C4}" type="datetimeFigureOut">
               <a:rPr lang="ko-KR" altLang="en-US" smtClean="0"/>
-              <a:t>2023-03-24</a:t>
+              <a:t>2023-03-28</a:t>
             </a:fld>
             <a:endParaRPr lang="ko-KR" altLang="en-US"/>
           </a:p>
@@ -2360,10 +2360,9 @@
           </a:lstStyle>
           <a:p>
             <a:r>
-              <a:rPr lang="ko-KR" altLang="en-US" smtClean="0"/>
+              <a:rPr lang="ko-KR" altLang="en-US"/>
               <a:t>마스터 제목 스타일 편집</a:t>
             </a:r>
-            <a:endParaRPr lang="ko-KR" altLang="en-US"/>
           </a:p>
         </p:txBody>
       </p:sp>
@@ -2487,7 +2486,7 @@
           <a:p>
             <a:pPr lvl="0"/>
             <a:r>
-              <a:rPr lang="ko-KR" altLang="en-US" smtClean="0"/>
+              <a:rPr lang="ko-KR" altLang="en-US"/>
               <a:t>마스터 텍스트 스타일을 편집합니다</a:t>
             </a:r>
           </a:p>
@@ -2510,7 +2509,7 @@
           <a:p>
             <a:fld id="{5E89329E-BE11-4AEF-90E2-A0329AC9D4C4}" type="datetimeFigureOut">
               <a:rPr lang="ko-KR" altLang="en-US" smtClean="0"/>
-              <a:t>2023-03-24</a:t>
+              <a:t>2023-03-28</a:t>
             </a:fld>
             <a:endParaRPr lang="ko-KR" altLang="en-US"/>
           </a:p>
@@ -2619,10 +2618,9 @@
           <a:lstStyle/>
           <a:p>
             <a:r>
-              <a:rPr lang="ko-KR" altLang="en-US" smtClean="0"/>
+              <a:rPr lang="ko-KR" altLang="en-US"/>
               <a:t>마스터 제목 스타일 편집</a:t>
             </a:r>
-            <a:endParaRPr lang="ko-KR" altLang="en-US"/>
           </a:p>
         </p:txBody>
       </p:sp>
@@ -2653,38 +2651,37 @@
           <a:p>
             <a:pPr lvl="0"/>
             <a:r>
-              <a:rPr lang="ko-KR" altLang="en-US" smtClean="0"/>
+              <a:rPr lang="ko-KR" altLang="en-US"/>
               <a:t>마스터 텍스트 스타일을 편집합니다</a:t>
             </a:r>
           </a:p>
           <a:p>
             <a:pPr lvl="1"/>
             <a:r>
-              <a:rPr lang="ko-KR" altLang="en-US" smtClean="0"/>
+              <a:rPr lang="ko-KR" altLang="en-US"/>
               <a:t>둘째 수준</a:t>
             </a:r>
           </a:p>
           <a:p>
             <a:pPr lvl="2"/>
             <a:r>
-              <a:rPr lang="ko-KR" altLang="en-US" smtClean="0"/>
+              <a:rPr lang="ko-KR" altLang="en-US"/>
               <a:t>셋째 수준</a:t>
             </a:r>
           </a:p>
           <a:p>
             <a:pPr lvl="3"/>
             <a:r>
-              <a:rPr lang="ko-KR" altLang="en-US" smtClean="0"/>
+              <a:rPr lang="ko-KR" altLang="en-US"/>
               <a:t>넷째 수준</a:t>
             </a:r>
           </a:p>
           <a:p>
             <a:pPr lvl="4"/>
             <a:r>
-              <a:rPr lang="ko-KR" altLang="en-US" smtClean="0"/>
+              <a:rPr lang="ko-KR" altLang="en-US"/>
               <a:t>다섯째 수준</a:t>
             </a:r>
-            <a:endParaRPr lang="ko-KR" altLang="en-US"/>
           </a:p>
         </p:txBody>
       </p:sp>
@@ -2723,7 +2720,7 @@
           <a:p>
             <a:fld id="{5E89329E-BE11-4AEF-90E2-A0329AC9D4C4}" type="datetimeFigureOut">
               <a:rPr lang="ko-KR" altLang="en-US" smtClean="0"/>
-              <a:t>2023-03-24</a:t>
+              <a:t>2023-03-28</a:t>
             </a:fld>
             <a:endParaRPr lang="ko-KR" altLang="en-US"/>
           </a:p>
@@ -3205,13 +3202,6 @@
   <p:clrMapOvr>
     <a:masterClrMapping/>
   </p:clrMapOvr>
-  <p:timing>
-    <p:tnLst>
-      <p:par>
-        <p:cTn id="1" dur="indefinite" restart="never" nodeType="tmRoot"/>
-      </p:par>
-    </p:tnLst>
-  </p:timing>
 </p:sld>
 </file>
 
@@ -3318,7 +3308,7 @@
             <a:p>
               <a:pPr algn="ctr"/>
               <a:r>
-                <a:rPr lang="ko-KR" altLang="en-US" sz="1600" dirty="0" err="1" smtClean="0">
+                <a:rPr lang="ko-KR" altLang="en-US" sz="1600" dirty="0" err="1">
                   <a:latin typeface="푸라닭 젠틀 고딕" panose="00000500000000000000" pitchFamily="2" charset="-127"/>
                   <a:ea typeface="푸라닭 젠틀 고딕" panose="00000500000000000000" pitchFamily="2" charset="-127"/>
                 </a:rPr>
@@ -3342,13 +3332,6 @@
   <p:clrMapOvr>
     <a:masterClrMapping/>
   </p:clrMapOvr>
-  <p:timing>
-    <p:tnLst>
-      <p:par>
-        <p:cTn id="1" dur="indefinite" restart="never" nodeType="tmRoot"/>
-      </p:par>
-    </p:tnLst>
-  </p:timing>
 </p:sld>
 </file>
 
@@ -3504,6 +3487,17 @@
 <file path=ppt/slides/slide4.xml><?xml version="1.0" encoding="utf-8"?>
 <p:sld xmlns:a="http://schemas.openxmlformats.org/drawingml/2006/main" xmlns:r="http://schemas.openxmlformats.org/officeDocument/2006/relationships" xmlns:p="http://schemas.openxmlformats.org/presentationml/2006/main">
   <p:cSld>
+    <p:bg>
+      <p:bgPr>
+        <a:solidFill>
+          <a:schemeClr val="accent4">
+            <a:lumMod val="40000"/>
+            <a:lumOff val="60000"/>
+          </a:schemeClr>
+        </a:solidFill>
+        <a:effectLst/>
+      </p:bgPr>
+    </p:bg>
     <p:spTree>
       <p:nvGrpSpPr>
         <p:cNvPr id="1" name=""/>
@@ -3518,10 +3512,802 @@
           <a:chExt cx="0" cy="0"/>
         </a:xfrm>
       </p:grpSpPr>
+      <p:pic>
+        <p:nvPicPr>
+          <p:cNvPr id="7" name="그림 6" descr="텍스트, 건물, 창문이(가) 표시된 사진&#10;&#10;자동 생성된 설명">
+            <a:extLst>
+              <a:ext uri="{FF2B5EF4-FFF2-40B4-BE49-F238E27FC236}">
+                <a16:creationId xmlns:a16="http://schemas.microsoft.com/office/drawing/2014/main" id="{86E1162C-2093-8F97-6F47-8173F8243A54}"/>
+              </a:ext>
+            </a:extLst>
+          </p:cNvPr>
+          <p:cNvPicPr>
+            <a:picLocks noChangeAspect="1"/>
+          </p:cNvPicPr>
+          <p:nvPr/>
+        </p:nvPicPr>
+        <p:blipFill rotWithShape="1">
+          <a:blip r:embed="rId2">
+            <a:extLst>
+              <a:ext uri="{28A0092B-C50C-407E-A947-70E740481C1C}">
+                <a14:useLocalDpi xmlns:a14="http://schemas.microsoft.com/office/drawing/2010/main" val="0"/>
+              </a:ext>
+            </a:extLst>
+          </a:blip>
+          <a:srcRect b="10519"/>
+          <a:stretch/>
+        </p:blipFill>
+        <p:spPr>
+          <a:xfrm>
+            <a:off x="930122" y="3671762"/>
+            <a:ext cx="3189030" cy="2853582"/>
+          </a:xfrm>
+          <a:prstGeom prst="rect">
+            <a:avLst/>
+          </a:prstGeom>
+          <a:ln>
+            <a:noFill/>
+          </a:ln>
+        </p:spPr>
+      </p:pic>
+      <p:pic>
+        <p:nvPicPr>
+          <p:cNvPr id="10" name="그림 9" descr="텍스트, 건물, 창문이(가) 표시된 사진&#10;&#10;자동 생성된 설명">
+            <a:extLst>
+              <a:ext uri="{FF2B5EF4-FFF2-40B4-BE49-F238E27FC236}">
+                <a16:creationId xmlns:a16="http://schemas.microsoft.com/office/drawing/2014/main" id="{1C46315B-A339-BB5F-E0EF-B943C5B6A94F}"/>
+              </a:ext>
+            </a:extLst>
+          </p:cNvPr>
+          <p:cNvPicPr>
+            <a:picLocks noChangeAspect="1"/>
+          </p:cNvPicPr>
+          <p:nvPr/>
+        </p:nvPicPr>
+        <p:blipFill rotWithShape="1">
+          <a:blip r:embed="rId2">
+            <a:extLst>
+              <a:ext uri="{28A0092B-C50C-407E-A947-70E740481C1C}">
+                <a14:useLocalDpi xmlns:a14="http://schemas.microsoft.com/office/drawing/2010/main" val="0"/>
+              </a:ext>
+            </a:extLst>
+          </a:blip>
+          <a:srcRect b="10519"/>
+          <a:stretch/>
+        </p:blipFill>
+        <p:spPr>
+          <a:xfrm flipH="1">
+            <a:off x="5487426" y="3671762"/>
+            <a:ext cx="3189030" cy="2853582"/>
+          </a:xfrm>
+          <a:prstGeom prst="rect">
+            <a:avLst/>
+          </a:prstGeom>
+          <a:ln>
+            <a:noFill/>
+          </a:ln>
+        </p:spPr>
+      </p:pic>
+      <p:grpSp>
+        <p:nvGrpSpPr>
+          <p:cNvPr id="16" name="그룹 15">
+            <a:extLst>
+              <a:ext uri="{FF2B5EF4-FFF2-40B4-BE49-F238E27FC236}">
+                <a16:creationId xmlns:a16="http://schemas.microsoft.com/office/drawing/2014/main" id="{77BFE0FC-BF46-D734-6D1B-6F168BC50546}"/>
+              </a:ext>
+            </a:extLst>
+          </p:cNvPr>
+          <p:cNvGrpSpPr/>
+          <p:nvPr/>
+        </p:nvGrpSpPr>
+        <p:grpSpPr>
+          <a:xfrm>
+            <a:off x="1466129" y="908720"/>
+            <a:ext cx="6682890" cy="4917461"/>
+            <a:chOff x="1466129" y="908720"/>
+            <a:chExt cx="6682890" cy="4917461"/>
+          </a:xfrm>
+        </p:grpSpPr>
+        <p:grpSp>
+          <p:nvGrpSpPr>
+            <p:cNvPr id="15" name="그룹 14">
+              <a:extLst>
+                <a:ext uri="{FF2B5EF4-FFF2-40B4-BE49-F238E27FC236}">
+                  <a16:creationId xmlns:a16="http://schemas.microsoft.com/office/drawing/2014/main" id="{F2534758-5ABC-3C1C-0D82-FB4C85934835}"/>
+                </a:ext>
+              </a:extLst>
+            </p:cNvPr>
+            <p:cNvGrpSpPr/>
+            <p:nvPr/>
+          </p:nvGrpSpPr>
+          <p:grpSpPr>
+            <a:xfrm>
+              <a:off x="1466130" y="1057499"/>
+              <a:ext cx="6682889" cy="4768682"/>
+              <a:chOff x="1466130" y="1057499"/>
+              <a:chExt cx="6682889" cy="4768682"/>
+            </a:xfrm>
+          </p:grpSpPr>
+          <p:sp>
+            <p:nvSpPr>
+              <p:cNvPr id="5" name="물결 4">
+                <a:extLst>
+                  <a:ext uri="{FF2B5EF4-FFF2-40B4-BE49-F238E27FC236}">
+                    <a16:creationId xmlns:a16="http://schemas.microsoft.com/office/drawing/2014/main" id="{CE5E444F-2AB7-9894-21EB-F7305F0AB727}"/>
+                  </a:ext>
+                </a:extLst>
+              </p:cNvPr>
+              <p:cNvSpPr/>
+              <p:nvPr/>
+            </p:nvSpPr>
+            <p:spPr>
+              <a:xfrm rot="16200000" flipH="1">
+                <a:off x="829538" y="3364769"/>
+                <a:ext cx="2618287" cy="1306590"/>
+              </a:xfrm>
+              <a:prstGeom prst="wave">
+                <a:avLst>
+                  <a:gd name="adj1" fmla="val 20000"/>
+                  <a:gd name="adj2" fmla="val 8476"/>
+                </a:avLst>
+              </a:prstGeom>
+              <a:solidFill>
+                <a:schemeClr val="bg1"/>
+              </a:solidFill>
+              <a:ln>
+                <a:noFill/>
+              </a:ln>
+            </p:spPr>
+            <p:style>
+              <a:lnRef idx="2">
+                <a:schemeClr val="accent1">
+                  <a:shade val="50000"/>
+                </a:schemeClr>
+              </a:lnRef>
+              <a:fillRef idx="1">
+                <a:schemeClr val="accent1"/>
+              </a:fillRef>
+              <a:effectRef idx="0">
+                <a:schemeClr val="accent1"/>
+              </a:effectRef>
+              <a:fontRef idx="minor">
+                <a:schemeClr val="lt1"/>
+              </a:fontRef>
+            </p:style>
+            <p:txBody>
+              <a:bodyPr rtlCol="0" anchor="ctr"/>
+              <a:lstStyle/>
+              <a:p>
+                <a:pPr algn="ctr"/>
+                <a:endParaRPr lang="ko-KR" altLang="en-US" dirty="0"/>
+              </a:p>
+            </p:txBody>
+          </p:sp>
+          <p:sp>
+            <p:nvSpPr>
+              <p:cNvPr id="11" name="물결 10">
+                <a:extLst>
+                  <a:ext uri="{FF2B5EF4-FFF2-40B4-BE49-F238E27FC236}">
+                    <a16:creationId xmlns:a16="http://schemas.microsoft.com/office/drawing/2014/main" id="{7C84DF44-388A-EB16-BBDD-C73FEF13F6F9}"/>
+                  </a:ext>
+                </a:extLst>
+              </p:cNvPr>
+              <p:cNvSpPr/>
+              <p:nvPr/>
+            </p:nvSpPr>
+            <p:spPr>
+              <a:xfrm rot="5400000">
+                <a:off x="6158753" y="3364769"/>
+                <a:ext cx="2618287" cy="1306590"/>
+              </a:xfrm>
+              <a:prstGeom prst="wave">
+                <a:avLst>
+                  <a:gd name="adj1" fmla="val 20000"/>
+                  <a:gd name="adj2" fmla="val 8476"/>
+                </a:avLst>
+              </a:prstGeom>
+              <a:solidFill>
+                <a:schemeClr val="bg1"/>
+              </a:solidFill>
+              <a:ln>
+                <a:noFill/>
+              </a:ln>
+            </p:spPr>
+            <p:style>
+              <a:lnRef idx="2">
+                <a:schemeClr val="accent1">
+                  <a:shade val="50000"/>
+                </a:schemeClr>
+              </a:lnRef>
+              <a:fillRef idx="1">
+                <a:schemeClr val="accent1"/>
+              </a:fillRef>
+              <a:effectRef idx="0">
+                <a:schemeClr val="accent1"/>
+              </a:effectRef>
+              <a:fontRef idx="minor">
+                <a:schemeClr val="lt1"/>
+              </a:fontRef>
+            </p:style>
+            <p:txBody>
+              <a:bodyPr rtlCol="0" anchor="ctr"/>
+              <a:lstStyle/>
+              <a:p>
+                <a:pPr algn="ctr"/>
+                <a:endParaRPr lang="ko-KR" altLang="en-US" dirty="0"/>
+              </a:p>
+            </p:txBody>
+          </p:sp>
+          <p:sp>
+            <p:nvSpPr>
+              <p:cNvPr id="13" name="막힌 원호 12">
+                <a:extLst>
+                  <a:ext uri="{FF2B5EF4-FFF2-40B4-BE49-F238E27FC236}">
+                    <a16:creationId xmlns:a16="http://schemas.microsoft.com/office/drawing/2014/main" id="{C0B17DAF-92AA-8A41-9AB8-B9289E70EBCE}"/>
+                  </a:ext>
+                </a:extLst>
+              </p:cNvPr>
+              <p:cNvSpPr/>
+              <p:nvPr/>
+            </p:nvSpPr>
+            <p:spPr>
+              <a:xfrm>
+                <a:off x="1466130" y="1057499"/>
+                <a:ext cx="6682889" cy="4768682"/>
+              </a:xfrm>
+              <a:prstGeom prst="blockArc">
+                <a:avLst>
+                  <a:gd name="adj1" fmla="val 11238760"/>
+                  <a:gd name="adj2" fmla="val 21163239"/>
+                  <a:gd name="adj3" fmla="val 21189"/>
+                </a:avLst>
+              </a:prstGeom>
+              <a:solidFill>
+                <a:schemeClr val="bg1"/>
+              </a:solidFill>
+              <a:ln>
+                <a:noFill/>
+              </a:ln>
+            </p:spPr>
+            <p:style>
+              <a:lnRef idx="2">
+                <a:schemeClr val="accent1">
+                  <a:shade val="50000"/>
+                </a:schemeClr>
+              </a:lnRef>
+              <a:fillRef idx="1">
+                <a:schemeClr val="accent1"/>
+              </a:fillRef>
+              <a:effectRef idx="0">
+                <a:schemeClr val="accent1"/>
+              </a:effectRef>
+              <a:fontRef idx="minor">
+                <a:schemeClr val="lt1"/>
+              </a:fontRef>
+            </p:style>
+            <p:txBody>
+              <a:bodyPr rtlCol="0" anchor="ctr"/>
+              <a:lstStyle/>
+              <a:p>
+                <a:pPr algn="ctr"/>
+                <a:endParaRPr lang="ko-KR" altLang="en-US" dirty="0">
+                  <a:solidFill>
+                    <a:schemeClr val="tx1"/>
+                  </a:solidFill>
+                </a:endParaRPr>
+              </a:p>
+            </p:txBody>
+          </p:sp>
+        </p:grpSp>
+        <p:sp>
+          <p:nvSpPr>
+            <p:cNvPr id="14" name="리본: 위로 기울어짐 13">
+              <a:extLst>
+                <a:ext uri="{FF2B5EF4-FFF2-40B4-BE49-F238E27FC236}">
+                  <a16:creationId xmlns:a16="http://schemas.microsoft.com/office/drawing/2014/main" id="{FE81C8EE-8EDB-D786-67ED-34ED7EBBB66E}"/>
+                </a:ext>
+              </a:extLst>
+            </p:cNvPr>
+            <p:cNvSpPr/>
+            <p:nvPr/>
+          </p:nvSpPr>
+          <p:spPr>
+            <a:xfrm>
+              <a:off x="1466129" y="908720"/>
+              <a:ext cx="6682889" cy="2264069"/>
+            </a:xfrm>
+            <a:prstGeom prst="ribbon2">
+              <a:avLst>
+                <a:gd name="adj1" fmla="val 16667"/>
+                <a:gd name="adj2" fmla="val 70412"/>
+              </a:avLst>
+            </a:prstGeom>
+            <a:solidFill>
+              <a:schemeClr val="bg1"/>
+            </a:solidFill>
+            <a:ln>
+              <a:solidFill>
+                <a:schemeClr val="bg1">
+                  <a:lumMod val="85000"/>
+                </a:schemeClr>
+              </a:solidFill>
+            </a:ln>
+          </p:spPr>
+          <p:style>
+            <a:lnRef idx="2">
+              <a:schemeClr val="accent1">
+                <a:shade val="50000"/>
+              </a:schemeClr>
+            </a:lnRef>
+            <a:fillRef idx="1">
+              <a:schemeClr val="accent1"/>
+            </a:fillRef>
+            <a:effectRef idx="0">
+              <a:schemeClr val="accent1"/>
+            </a:effectRef>
+            <a:fontRef idx="minor">
+              <a:schemeClr val="lt1"/>
+            </a:fontRef>
+          </p:style>
+          <p:txBody>
+            <a:bodyPr rtlCol="0" anchor="ctr"/>
+            <a:lstStyle/>
+            <a:p>
+              <a:pPr algn="ctr"/>
+              <a:endParaRPr lang="ko-KR" altLang="en-US" dirty="0"/>
+            </a:p>
+          </p:txBody>
+        </p:sp>
+      </p:grpSp>
     </p:spTree>
     <p:extLst>
       <p:ext uri="{BB962C8B-B14F-4D97-AF65-F5344CB8AC3E}">
         <p14:creationId xmlns:p14="http://schemas.microsoft.com/office/powerpoint/2010/main" val="2942645614"/>
+      </p:ext>
+    </p:extLst>
+  </p:cSld>
+  <p:clrMapOvr>
+    <a:masterClrMapping/>
+  </p:clrMapOvr>
+</p:sld>
+</file>
+
+<file path=ppt/slides/slide5.xml><?xml version="1.0" encoding="utf-8"?>
+<p:sld xmlns:a="http://schemas.openxmlformats.org/drawingml/2006/main" xmlns:r="http://schemas.openxmlformats.org/officeDocument/2006/relationships" xmlns:p="http://schemas.openxmlformats.org/presentationml/2006/main">
+  <p:cSld>
+    <p:spTree>
+      <p:nvGrpSpPr>
+        <p:cNvPr id="1" name=""/>
+        <p:cNvGrpSpPr/>
+        <p:nvPr/>
+      </p:nvGrpSpPr>
+      <p:grpSpPr>
+        <a:xfrm>
+          <a:off x="0" y="0"/>
+          <a:ext cx="0" cy="0"/>
+          <a:chOff x="0" y="0"/>
+          <a:chExt cx="0" cy="0"/>
+        </a:xfrm>
+      </p:grpSpPr>
+      <p:grpSp>
+        <p:nvGrpSpPr>
+          <p:cNvPr id="13" name="그룹 12">
+            <a:extLst>
+              <a:ext uri="{FF2B5EF4-FFF2-40B4-BE49-F238E27FC236}">
+                <a16:creationId xmlns:a16="http://schemas.microsoft.com/office/drawing/2014/main" id="{AF4F058E-08EC-7531-A0E8-973600CCBF55}"/>
+              </a:ext>
+            </a:extLst>
+          </p:cNvPr>
+          <p:cNvGrpSpPr/>
+          <p:nvPr/>
+        </p:nvGrpSpPr>
+        <p:grpSpPr>
+          <a:xfrm>
+            <a:off x="930122" y="3671762"/>
+            <a:ext cx="7746334" cy="2853582"/>
+            <a:chOff x="930122" y="3671762"/>
+            <a:chExt cx="7746334" cy="2853582"/>
+          </a:xfrm>
+        </p:grpSpPr>
+        <p:pic>
+          <p:nvPicPr>
+            <p:cNvPr id="5" name="그림 4" descr="텍스트, 건물, 창문이(가) 표시된 사진&#10;&#10;자동 생성된 설명">
+              <a:extLst>
+                <a:ext uri="{FF2B5EF4-FFF2-40B4-BE49-F238E27FC236}">
+                  <a16:creationId xmlns:a16="http://schemas.microsoft.com/office/drawing/2014/main" id="{761BC16D-2E02-D39E-5544-5B888F659902}"/>
+                </a:ext>
+              </a:extLst>
+            </p:cNvPr>
+            <p:cNvPicPr>
+              <a:picLocks noChangeAspect="1"/>
+            </p:cNvPicPr>
+            <p:nvPr/>
+          </p:nvPicPr>
+          <p:blipFill rotWithShape="1">
+            <a:blip r:embed="rId2">
+              <a:extLst>
+                <a:ext uri="{28A0092B-C50C-407E-A947-70E740481C1C}">
+                  <a14:useLocalDpi xmlns:a14="http://schemas.microsoft.com/office/drawing/2010/main" val="0"/>
+                </a:ext>
+              </a:extLst>
+            </a:blip>
+            <a:srcRect b="10519"/>
+            <a:stretch/>
+          </p:blipFill>
+          <p:spPr>
+            <a:xfrm>
+              <a:off x="930122" y="3671762"/>
+              <a:ext cx="3189030" cy="2853582"/>
+            </a:xfrm>
+            <a:prstGeom prst="rect">
+              <a:avLst/>
+            </a:prstGeom>
+            <a:ln>
+              <a:noFill/>
+            </a:ln>
+          </p:spPr>
+        </p:pic>
+        <p:pic>
+          <p:nvPicPr>
+            <p:cNvPr id="6" name="그림 5" descr="텍스트, 건물, 창문이(가) 표시된 사진&#10;&#10;자동 생성된 설명">
+              <a:extLst>
+                <a:ext uri="{FF2B5EF4-FFF2-40B4-BE49-F238E27FC236}">
+                  <a16:creationId xmlns:a16="http://schemas.microsoft.com/office/drawing/2014/main" id="{C19CF37E-B107-E7FE-397C-A4DFD01B93BC}"/>
+                </a:ext>
+              </a:extLst>
+            </p:cNvPr>
+            <p:cNvPicPr>
+              <a:picLocks noChangeAspect="1"/>
+            </p:cNvPicPr>
+            <p:nvPr/>
+          </p:nvPicPr>
+          <p:blipFill rotWithShape="1">
+            <a:blip r:embed="rId2">
+              <a:extLst>
+                <a:ext uri="{28A0092B-C50C-407E-A947-70E740481C1C}">
+                  <a14:useLocalDpi xmlns:a14="http://schemas.microsoft.com/office/drawing/2010/main" val="0"/>
+                </a:ext>
+              </a:extLst>
+            </a:blip>
+            <a:srcRect b="10519"/>
+            <a:stretch/>
+          </p:blipFill>
+          <p:spPr>
+            <a:xfrm flipH="1">
+              <a:off x="5487426" y="3671762"/>
+              <a:ext cx="3189030" cy="2853582"/>
+            </a:xfrm>
+            <a:prstGeom prst="rect">
+              <a:avLst/>
+            </a:prstGeom>
+            <a:ln>
+              <a:noFill/>
+            </a:ln>
+          </p:spPr>
+        </p:pic>
+      </p:grpSp>
+    </p:spTree>
+    <p:extLst>
+      <p:ext uri="{BB962C8B-B14F-4D97-AF65-F5344CB8AC3E}">
+        <p14:creationId xmlns:p14="http://schemas.microsoft.com/office/powerpoint/2010/main" val="2703722532"/>
+      </p:ext>
+    </p:extLst>
+  </p:cSld>
+  <p:clrMapOvr>
+    <a:masterClrMapping/>
+  </p:clrMapOvr>
+</p:sld>
+</file>
+
+<file path=ppt/slides/slide6.xml><?xml version="1.0" encoding="utf-8"?>
+<p:sld xmlns:a="http://schemas.openxmlformats.org/drawingml/2006/main" xmlns:r="http://schemas.openxmlformats.org/officeDocument/2006/relationships" xmlns:p="http://schemas.openxmlformats.org/presentationml/2006/main">
+  <p:cSld>
+    <p:spTree>
+      <p:nvGrpSpPr>
+        <p:cNvPr id="1" name=""/>
+        <p:cNvGrpSpPr/>
+        <p:nvPr/>
+      </p:nvGrpSpPr>
+      <p:grpSpPr>
+        <a:xfrm>
+          <a:off x="0" y="0"/>
+          <a:ext cx="0" cy="0"/>
+          <a:chOff x="0" y="0"/>
+          <a:chExt cx="0" cy="0"/>
+        </a:xfrm>
+      </p:grpSpPr>
+      <p:grpSp>
+        <p:nvGrpSpPr>
+          <p:cNvPr id="10" name="그룹 9">
+            <a:extLst>
+              <a:ext uri="{FF2B5EF4-FFF2-40B4-BE49-F238E27FC236}">
+                <a16:creationId xmlns:a16="http://schemas.microsoft.com/office/drawing/2014/main" id="{769E83BF-D7D1-7930-001C-AD9D0D09DA94}"/>
+              </a:ext>
+            </a:extLst>
+          </p:cNvPr>
+          <p:cNvGrpSpPr/>
+          <p:nvPr/>
+        </p:nvGrpSpPr>
+        <p:grpSpPr>
+          <a:xfrm>
+            <a:off x="930122" y="1057499"/>
+            <a:ext cx="7746334" cy="5467845"/>
+            <a:chOff x="930122" y="1057499"/>
+            <a:chExt cx="7746334" cy="5467845"/>
+          </a:xfrm>
+        </p:grpSpPr>
+        <p:pic>
+          <p:nvPicPr>
+            <p:cNvPr id="2" name="그림 1" descr="텍스트, 건물, 창문이(가) 표시된 사진&#10;&#10;자동 생성된 설명">
+              <a:extLst>
+                <a:ext uri="{FF2B5EF4-FFF2-40B4-BE49-F238E27FC236}">
+                  <a16:creationId xmlns:a16="http://schemas.microsoft.com/office/drawing/2014/main" id="{BEBE6E74-E792-DD7E-60EF-3D0ECD2388BE}"/>
+                </a:ext>
+              </a:extLst>
+            </p:cNvPr>
+            <p:cNvPicPr>
+              <a:picLocks noChangeAspect="1"/>
+            </p:cNvPicPr>
+            <p:nvPr/>
+          </p:nvPicPr>
+          <p:blipFill rotWithShape="1">
+            <a:blip r:embed="rId2">
+              <a:extLst>
+                <a:ext uri="{28A0092B-C50C-407E-A947-70E740481C1C}">
+                  <a14:useLocalDpi xmlns:a14="http://schemas.microsoft.com/office/drawing/2010/main" val="0"/>
+                </a:ext>
+              </a:extLst>
+            </a:blip>
+            <a:srcRect b="10519"/>
+            <a:stretch/>
+          </p:blipFill>
+          <p:spPr>
+            <a:xfrm>
+              <a:off x="930122" y="3671762"/>
+              <a:ext cx="3189030" cy="2853582"/>
+            </a:xfrm>
+            <a:prstGeom prst="rect">
+              <a:avLst/>
+            </a:prstGeom>
+            <a:ln>
+              <a:noFill/>
+            </a:ln>
+          </p:spPr>
+        </p:pic>
+        <p:pic>
+          <p:nvPicPr>
+            <p:cNvPr id="3" name="그림 2" descr="텍스트, 건물, 창문이(가) 표시된 사진&#10;&#10;자동 생성된 설명">
+              <a:extLst>
+                <a:ext uri="{FF2B5EF4-FFF2-40B4-BE49-F238E27FC236}">
+                  <a16:creationId xmlns:a16="http://schemas.microsoft.com/office/drawing/2014/main" id="{5B12FC7A-5D61-7CCA-3AAA-A41F50A73BE2}"/>
+                </a:ext>
+              </a:extLst>
+            </p:cNvPr>
+            <p:cNvPicPr>
+              <a:picLocks noChangeAspect="1"/>
+            </p:cNvPicPr>
+            <p:nvPr/>
+          </p:nvPicPr>
+          <p:blipFill rotWithShape="1">
+            <a:blip r:embed="rId2">
+              <a:extLst>
+                <a:ext uri="{28A0092B-C50C-407E-A947-70E740481C1C}">
+                  <a14:useLocalDpi xmlns:a14="http://schemas.microsoft.com/office/drawing/2010/main" val="0"/>
+                </a:ext>
+              </a:extLst>
+            </a:blip>
+            <a:srcRect b="10519"/>
+            <a:stretch/>
+          </p:blipFill>
+          <p:spPr>
+            <a:xfrm flipH="1">
+              <a:off x="5487426" y="3671762"/>
+              <a:ext cx="3189030" cy="2853582"/>
+            </a:xfrm>
+            <a:prstGeom prst="rect">
+              <a:avLst/>
+            </a:prstGeom>
+            <a:ln>
+              <a:noFill/>
+            </a:ln>
+          </p:spPr>
+        </p:pic>
+        <p:grpSp>
+          <p:nvGrpSpPr>
+            <p:cNvPr id="5" name="그룹 4">
+              <a:extLst>
+                <a:ext uri="{FF2B5EF4-FFF2-40B4-BE49-F238E27FC236}">
+                  <a16:creationId xmlns:a16="http://schemas.microsoft.com/office/drawing/2014/main" id="{8B2A431B-5528-3FDB-8FC7-4337CC8428AE}"/>
+                </a:ext>
+              </a:extLst>
+            </p:cNvPr>
+            <p:cNvGrpSpPr/>
+            <p:nvPr/>
+          </p:nvGrpSpPr>
+          <p:grpSpPr>
+            <a:xfrm>
+              <a:off x="1466130" y="1057499"/>
+              <a:ext cx="6682889" cy="4768682"/>
+              <a:chOff x="1466130" y="1057499"/>
+              <a:chExt cx="6682889" cy="4768682"/>
+            </a:xfrm>
+          </p:grpSpPr>
+          <p:sp>
+            <p:nvSpPr>
+              <p:cNvPr id="7" name="물결 6">
+                <a:extLst>
+                  <a:ext uri="{FF2B5EF4-FFF2-40B4-BE49-F238E27FC236}">
+                    <a16:creationId xmlns:a16="http://schemas.microsoft.com/office/drawing/2014/main" id="{34A11EBD-AC6E-5D7E-212F-D4B5DF87F2A5}"/>
+                  </a:ext>
+                </a:extLst>
+              </p:cNvPr>
+              <p:cNvSpPr/>
+              <p:nvPr/>
+            </p:nvSpPr>
+            <p:spPr>
+              <a:xfrm rot="16200000" flipH="1">
+                <a:off x="829538" y="3364769"/>
+                <a:ext cx="2618287" cy="1306590"/>
+              </a:xfrm>
+              <a:prstGeom prst="wave">
+                <a:avLst>
+                  <a:gd name="adj1" fmla="val 20000"/>
+                  <a:gd name="adj2" fmla="val 8476"/>
+                </a:avLst>
+              </a:prstGeom>
+              <a:solidFill>
+                <a:schemeClr val="bg1"/>
+              </a:solidFill>
+              <a:ln>
+                <a:noFill/>
+              </a:ln>
+            </p:spPr>
+            <p:style>
+              <a:lnRef idx="2">
+                <a:schemeClr val="accent1">
+                  <a:shade val="50000"/>
+                </a:schemeClr>
+              </a:lnRef>
+              <a:fillRef idx="1">
+                <a:schemeClr val="accent1"/>
+              </a:fillRef>
+              <a:effectRef idx="0">
+                <a:schemeClr val="accent1"/>
+              </a:effectRef>
+              <a:fontRef idx="minor">
+                <a:schemeClr val="lt1"/>
+              </a:fontRef>
+            </p:style>
+            <p:txBody>
+              <a:bodyPr rtlCol="0" anchor="ctr"/>
+              <a:lstStyle/>
+              <a:p>
+                <a:pPr algn="ctr"/>
+                <a:endParaRPr lang="ko-KR" altLang="en-US" dirty="0"/>
+              </a:p>
+            </p:txBody>
+          </p:sp>
+          <p:sp>
+            <p:nvSpPr>
+              <p:cNvPr id="8" name="물결 7">
+                <a:extLst>
+                  <a:ext uri="{FF2B5EF4-FFF2-40B4-BE49-F238E27FC236}">
+                    <a16:creationId xmlns:a16="http://schemas.microsoft.com/office/drawing/2014/main" id="{69DF3439-E677-D164-5D62-AD1AB5CB4FCE}"/>
+                  </a:ext>
+                </a:extLst>
+              </p:cNvPr>
+              <p:cNvSpPr/>
+              <p:nvPr/>
+            </p:nvSpPr>
+            <p:spPr>
+              <a:xfrm rot="5400000">
+                <a:off x="6158753" y="3364769"/>
+                <a:ext cx="2618287" cy="1306590"/>
+              </a:xfrm>
+              <a:prstGeom prst="wave">
+                <a:avLst>
+                  <a:gd name="adj1" fmla="val 20000"/>
+                  <a:gd name="adj2" fmla="val 8476"/>
+                </a:avLst>
+              </a:prstGeom>
+              <a:solidFill>
+                <a:schemeClr val="bg1"/>
+              </a:solidFill>
+              <a:ln>
+                <a:noFill/>
+              </a:ln>
+            </p:spPr>
+            <p:style>
+              <a:lnRef idx="2">
+                <a:schemeClr val="accent1">
+                  <a:shade val="50000"/>
+                </a:schemeClr>
+              </a:lnRef>
+              <a:fillRef idx="1">
+                <a:schemeClr val="accent1"/>
+              </a:fillRef>
+              <a:effectRef idx="0">
+                <a:schemeClr val="accent1"/>
+              </a:effectRef>
+              <a:fontRef idx="minor">
+                <a:schemeClr val="lt1"/>
+              </a:fontRef>
+            </p:style>
+            <p:txBody>
+              <a:bodyPr rtlCol="0" anchor="ctr"/>
+              <a:lstStyle/>
+              <a:p>
+                <a:pPr algn="ctr"/>
+                <a:endParaRPr lang="ko-KR" altLang="en-US" dirty="0"/>
+              </a:p>
+            </p:txBody>
+          </p:sp>
+          <p:sp>
+            <p:nvSpPr>
+              <p:cNvPr id="9" name="막힌 원호 8">
+                <a:extLst>
+                  <a:ext uri="{FF2B5EF4-FFF2-40B4-BE49-F238E27FC236}">
+                    <a16:creationId xmlns:a16="http://schemas.microsoft.com/office/drawing/2014/main" id="{268BB206-7406-FD38-C238-8B88EC5E9033}"/>
+                  </a:ext>
+                </a:extLst>
+              </p:cNvPr>
+              <p:cNvSpPr/>
+              <p:nvPr/>
+            </p:nvSpPr>
+            <p:spPr>
+              <a:xfrm>
+                <a:off x="1466130" y="1057499"/>
+                <a:ext cx="6682889" cy="4768682"/>
+              </a:xfrm>
+              <a:prstGeom prst="blockArc">
+                <a:avLst>
+                  <a:gd name="adj1" fmla="val 11238760"/>
+                  <a:gd name="adj2" fmla="val 21163239"/>
+                  <a:gd name="adj3" fmla="val 21189"/>
+                </a:avLst>
+              </a:prstGeom>
+              <a:solidFill>
+                <a:schemeClr val="bg1"/>
+              </a:solidFill>
+              <a:ln>
+                <a:noFill/>
+              </a:ln>
+            </p:spPr>
+            <p:style>
+              <a:lnRef idx="2">
+                <a:schemeClr val="accent1">
+                  <a:shade val="50000"/>
+                </a:schemeClr>
+              </a:lnRef>
+              <a:fillRef idx="1">
+                <a:schemeClr val="accent1"/>
+              </a:fillRef>
+              <a:effectRef idx="0">
+                <a:schemeClr val="accent1"/>
+              </a:effectRef>
+              <a:fontRef idx="minor">
+                <a:schemeClr val="lt1"/>
+              </a:fontRef>
+            </p:style>
+            <p:txBody>
+              <a:bodyPr rtlCol="0" anchor="ctr"/>
+              <a:lstStyle/>
+              <a:p>
+                <a:pPr algn="ctr"/>
+                <a:endParaRPr lang="ko-KR" altLang="en-US" dirty="0">
+                  <a:solidFill>
+                    <a:schemeClr val="tx1"/>
+                  </a:solidFill>
+                </a:endParaRPr>
+              </a:p>
+            </p:txBody>
+          </p:sp>
+        </p:grpSp>
+      </p:grpSp>
+    </p:spTree>
+    <p:extLst>
+      <p:ext uri="{BB962C8B-B14F-4D97-AF65-F5344CB8AC3E}">
+        <p14:creationId xmlns:p14="http://schemas.microsoft.com/office/powerpoint/2010/main" val="3616582545"/>
       </p:ext>
     </p:extLst>
   </p:cSld>

--- a/제작/뷰 제작.pptx
+++ b/제작/뷰 제작.pptx
@@ -111,7 +111,7 @@
   </p:defaultTextStyle>
   <p:extLst>
     <p:ext uri="{EFAFB233-063F-42B5-8137-9DF3F51BA10A}">
-      <p15:sldGuideLst xmlns:p15="http://schemas.microsoft.com/office/powerpoint/2012/main">
+      <p15:sldGuideLst xmlns:p15="http://schemas.microsoft.com/office/powerpoint/2012/main" xmlns="">
         <p15:guide id="1" orient="horz" pos="2160">
           <p15:clr>
             <a:srgbClr val="A4A3A4"/>
@@ -307,7 +307,7 @@
           <a:p>
             <a:fld id="{5E89329E-BE11-4AEF-90E2-A0329AC9D4C4}" type="datetimeFigureOut">
               <a:rPr lang="ko-KR" altLang="en-US" smtClean="0"/>
-              <a:t>2023-03-28</a:t>
+              <a:t>2023-03-31</a:t>
             </a:fld>
             <a:endParaRPr lang="ko-KR" altLang="en-US"/>
           </a:p>
@@ -475,7 +475,7 @@
           <a:p>
             <a:fld id="{5E89329E-BE11-4AEF-90E2-A0329AC9D4C4}" type="datetimeFigureOut">
               <a:rPr lang="ko-KR" altLang="en-US" smtClean="0"/>
-              <a:t>2023-03-28</a:t>
+              <a:t>2023-03-31</a:t>
             </a:fld>
             <a:endParaRPr lang="ko-KR" altLang="en-US"/>
           </a:p>
@@ -653,7 +653,7 @@
           <a:p>
             <a:fld id="{5E89329E-BE11-4AEF-90E2-A0329AC9D4C4}" type="datetimeFigureOut">
               <a:rPr lang="ko-KR" altLang="en-US" smtClean="0"/>
-              <a:t>2023-03-28</a:t>
+              <a:t>2023-03-31</a:t>
             </a:fld>
             <a:endParaRPr lang="ko-KR" altLang="en-US"/>
           </a:p>
@@ -821,7 +821,7 @@
           <a:p>
             <a:fld id="{5E89329E-BE11-4AEF-90E2-A0329AC9D4C4}" type="datetimeFigureOut">
               <a:rPr lang="ko-KR" altLang="en-US" smtClean="0"/>
-              <a:t>2023-03-28</a:t>
+              <a:t>2023-03-31</a:t>
             </a:fld>
             <a:endParaRPr lang="ko-KR" altLang="en-US"/>
           </a:p>
@@ -1066,7 +1066,7 @@
           <a:p>
             <a:fld id="{5E89329E-BE11-4AEF-90E2-A0329AC9D4C4}" type="datetimeFigureOut">
               <a:rPr lang="ko-KR" altLang="en-US" smtClean="0"/>
-              <a:t>2023-03-28</a:t>
+              <a:t>2023-03-31</a:t>
             </a:fld>
             <a:endParaRPr lang="ko-KR" altLang="en-US"/>
           </a:p>
@@ -1351,7 +1351,7 @@
           <a:p>
             <a:fld id="{5E89329E-BE11-4AEF-90E2-A0329AC9D4C4}" type="datetimeFigureOut">
               <a:rPr lang="ko-KR" altLang="en-US" smtClean="0"/>
-              <a:t>2023-03-28</a:t>
+              <a:t>2023-03-31</a:t>
             </a:fld>
             <a:endParaRPr lang="ko-KR" altLang="en-US"/>
           </a:p>
@@ -1770,7 +1770,7 @@
           <a:p>
             <a:fld id="{5E89329E-BE11-4AEF-90E2-A0329AC9D4C4}" type="datetimeFigureOut">
               <a:rPr lang="ko-KR" altLang="en-US" smtClean="0"/>
-              <a:t>2023-03-28</a:t>
+              <a:t>2023-03-31</a:t>
             </a:fld>
             <a:endParaRPr lang="ko-KR" altLang="en-US"/>
           </a:p>
@@ -1887,7 +1887,7 @@
           <a:p>
             <a:fld id="{5E89329E-BE11-4AEF-90E2-A0329AC9D4C4}" type="datetimeFigureOut">
               <a:rPr lang="ko-KR" altLang="en-US" smtClean="0"/>
-              <a:t>2023-03-28</a:t>
+              <a:t>2023-03-31</a:t>
             </a:fld>
             <a:endParaRPr lang="ko-KR" altLang="en-US"/>
           </a:p>
@@ -1982,7 +1982,7 @@
           <a:p>
             <a:fld id="{5E89329E-BE11-4AEF-90E2-A0329AC9D4C4}" type="datetimeFigureOut">
               <a:rPr lang="ko-KR" altLang="en-US" smtClean="0"/>
-              <a:t>2023-03-28</a:t>
+              <a:t>2023-03-31</a:t>
             </a:fld>
             <a:endParaRPr lang="ko-KR" altLang="en-US"/>
           </a:p>
@@ -2257,7 +2257,7 @@
           <a:p>
             <a:fld id="{5E89329E-BE11-4AEF-90E2-A0329AC9D4C4}" type="datetimeFigureOut">
               <a:rPr lang="ko-KR" altLang="en-US" smtClean="0"/>
-              <a:t>2023-03-28</a:t>
+              <a:t>2023-03-31</a:t>
             </a:fld>
             <a:endParaRPr lang="ko-KR" altLang="en-US"/>
           </a:p>
@@ -2509,7 +2509,7 @@
           <a:p>
             <a:fld id="{5E89329E-BE11-4AEF-90E2-A0329AC9D4C4}" type="datetimeFigureOut">
               <a:rPr lang="ko-KR" altLang="en-US" smtClean="0"/>
-              <a:t>2023-03-28</a:t>
+              <a:t>2023-03-31</a:t>
             </a:fld>
             <a:endParaRPr lang="ko-KR" altLang="en-US"/>
           </a:p>
@@ -2720,7 +2720,7 @@
           <a:p>
             <a:fld id="{5E89329E-BE11-4AEF-90E2-A0329AC9D4C4}" type="datetimeFigureOut">
               <a:rPr lang="ko-KR" altLang="en-US" smtClean="0"/>
-              <a:t>2023-03-28</a:t>
+              <a:t>2023-03-31</a:t>
             </a:fld>
             <a:endParaRPr lang="ko-KR" altLang="en-US"/>
           </a:p>
@@ -3514,10 +3514,51 @@
       </p:grpSpPr>
       <p:pic>
         <p:nvPicPr>
+          <p:cNvPr id="1026" name="Picture 2" descr="D:\GitHub\Design\안드로이드\0.배경\basic.jpg"/>
+          <p:cNvPicPr>
+            <a:picLocks noChangeAspect="1" noChangeArrowheads="1"/>
+          </p:cNvPicPr>
+          <p:nvPr/>
+        </p:nvPicPr>
+        <p:blipFill>
+          <a:blip r:embed="rId2" cstate="print">
+            <a:extLst>
+              <a:ext uri="{28A0092B-C50C-407E-A947-70E740481C1C}">
+                <a14:useLocalDpi xmlns:a14="http://schemas.microsoft.com/office/drawing/2010/main" val="0"/>
+              </a:ext>
+            </a:extLst>
+          </a:blip>
+          <a:srcRect/>
+          <a:stretch>
+            <a:fillRect/>
+          </a:stretch>
+        </p:blipFill>
+        <p:spPr bwMode="auto">
+          <a:xfrm flipH="1">
+            <a:off x="451378" y="0"/>
+            <a:ext cx="4633363" cy="6950045"/>
+          </a:xfrm>
+          <a:prstGeom prst="rect">
+            <a:avLst/>
+          </a:prstGeom>
+          <a:noFill/>
+          <a:extLst>
+            <a:ext uri="{909E8E84-426E-40DD-AFC4-6F175D3DCCD1}">
+              <a14:hiddenFill xmlns:a14="http://schemas.microsoft.com/office/drawing/2010/main">
+                <a:solidFill>
+                  <a:srgbClr val="FFFFFF"/>
+                </a:solidFill>
+              </a14:hiddenFill>
+            </a:ext>
+          </a:extLst>
+        </p:spPr>
+      </p:pic>
+      <p:pic>
+        <p:nvPicPr>
           <p:cNvPr id="7" name="그림 6" descr="텍스트, 건물, 창문이(가) 표시된 사진&#10;&#10;자동 생성된 설명">
             <a:extLst>
               <a:ext uri="{FF2B5EF4-FFF2-40B4-BE49-F238E27FC236}">
-                <a16:creationId xmlns:a16="http://schemas.microsoft.com/office/drawing/2014/main" id="{86E1162C-2093-8F97-6F47-8173F8243A54}"/>
+                <a16:creationId xmlns:a16="http://schemas.microsoft.com/office/drawing/2014/main" xmlns="" id="{86E1162C-2093-8F97-6F47-8173F8243A54}"/>
               </a:ext>
             </a:extLst>
           </p:cNvPr>
@@ -3527,7 +3568,7 @@
           <p:nvPr/>
         </p:nvPicPr>
         <p:blipFill rotWithShape="1">
-          <a:blip r:embed="rId2">
+          <a:blip r:embed="rId3" cstate="print">
             <a:extLst>
               <a:ext uri="{28A0092B-C50C-407E-A947-70E740481C1C}">
                 <a14:useLocalDpi xmlns:a14="http://schemas.microsoft.com/office/drawing/2010/main" val="0"/>
@@ -3539,8 +3580,8 @@
         </p:blipFill>
         <p:spPr>
           <a:xfrm>
-            <a:off x="930122" y="3671762"/>
-            <a:ext cx="3189030" cy="2853582"/>
+            <a:off x="947881" y="4573600"/>
+            <a:ext cx="1472979" cy="1318040"/>
           </a:xfrm>
           <a:prstGeom prst="rect">
             <a:avLst/>
@@ -3555,7 +3596,7 @@
           <p:cNvPr id="10" name="그림 9" descr="텍스트, 건물, 창문이(가) 표시된 사진&#10;&#10;자동 생성된 설명">
             <a:extLst>
               <a:ext uri="{FF2B5EF4-FFF2-40B4-BE49-F238E27FC236}">
-                <a16:creationId xmlns:a16="http://schemas.microsoft.com/office/drawing/2014/main" id="{1C46315B-A339-BB5F-E0EF-B943C5B6A94F}"/>
+                <a16:creationId xmlns:a16="http://schemas.microsoft.com/office/drawing/2014/main" xmlns="" id="{1C46315B-A339-BB5F-E0EF-B943C5B6A94F}"/>
               </a:ext>
             </a:extLst>
           </p:cNvPr>
@@ -3565,7 +3606,7 @@
           <p:nvPr/>
         </p:nvPicPr>
         <p:blipFill rotWithShape="1">
-          <a:blip r:embed="rId2">
+          <a:blip r:embed="rId3" cstate="print">
             <a:extLst>
               <a:ext uri="{28A0092B-C50C-407E-A947-70E740481C1C}">
                 <a14:useLocalDpi xmlns:a14="http://schemas.microsoft.com/office/drawing/2010/main" val="0"/>
@@ -3577,8 +3618,8 @@
         </p:blipFill>
         <p:spPr>
           <a:xfrm flipH="1">
-            <a:off x="5487426" y="3671762"/>
-            <a:ext cx="3189030" cy="2853582"/>
+            <a:off x="3052852" y="4573600"/>
+            <a:ext cx="1472979" cy="1318040"/>
           </a:xfrm>
           <a:prstGeom prst="rect">
             <a:avLst/>
@@ -3588,277 +3629,116 @@
           </a:ln>
         </p:spPr>
       </p:pic>
-      <p:grpSp>
-        <p:nvGrpSpPr>
-          <p:cNvPr id="16" name="그룹 15">
+      <p:sp>
+        <p:nvSpPr>
+          <p:cNvPr id="5" name="물결 4">
             <a:extLst>
               <a:ext uri="{FF2B5EF4-FFF2-40B4-BE49-F238E27FC236}">
-                <a16:creationId xmlns:a16="http://schemas.microsoft.com/office/drawing/2014/main" id="{77BFE0FC-BF46-D734-6D1B-6F168BC50546}"/>
+                <a16:creationId xmlns:a16="http://schemas.microsoft.com/office/drawing/2014/main" xmlns="" id="{CE5E444F-2AB7-9894-21EB-F7305F0AB727}"/>
               </a:ext>
             </a:extLst>
           </p:cNvPr>
-          <p:cNvGrpSpPr/>
+          <p:cNvSpPr/>
           <p:nvPr/>
-        </p:nvGrpSpPr>
-        <p:grpSpPr>
-          <a:xfrm>
-            <a:off x="1466129" y="908720"/>
-            <a:ext cx="6682890" cy="4917461"/>
-            <a:chOff x="1466129" y="908720"/>
-            <a:chExt cx="6682890" cy="4917461"/>
+        </p:nvSpPr>
+        <p:spPr>
+          <a:xfrm rot="16200000" flipH="1">
+            <a:off x="901423" y="4431804"/>
+            <a:ext cx="1209360" cy="603500"/>
           </a:xfrm>
-        </p:grpSpPr>
-        <p:grpSp>
-          <p:nvGrpSpPr>
-            <p:cNvPr id="15" name="그룹 14">
-              <a:extLst>
-                <a:ext uri="{FF2B5EF4-FFF2-40B4-BE49-F238E27FC236}">
-                  <a16:creationId xmlns:a16="http://schemas.microsoft.com/office/drawing/2014/main" id="{F2534758-5ABC-3C1C-0D82-FB4C85934835}"/>
-                </a:ext>
-              </a:extLst>
-            </p:cNvPr>
-            <p:cNvGrpSpPr/>
-            <p:nvPr/>
-          </p:nvGrpSpPr>
-          <p:grpSpPr>
-            <a:xfrm>
-              <a:off x="1466130" y="1057499"/>
-              <a:ext cx="6682889" cy="4768682"/>
-              <a:chOff x="1466130" y="1057499"/>
-              <a:chExt cx="6682889" cy="4768682"/>
-            </a:xfrm>
-          </p:grpSpPr>
-          <p:sp>
-            <p:nvSpPr>
-              <p:cNvPr id="5" name="물결 4">
-                <a:extLst>
-                  <a:ext uri="{FF2B5EF4-FFF2-40B4-BE49-F238E27FC236}">
-                    <a16:creationId xmlns:a16="http://schemas.microsoft.com/office/drawing/2014/main" id="{CE5E444F-2AB7-9894-21EB-F7305F0AB727}"/>
-                  </a:ext>
-                </a:extLst>
-              </p:cNvPr>
-              <p:cNvSpPr/>
-              <p:nvPr/>
-            </p:nvSpPr>
-            <p:spPr>
-              <a:xfrm rot="16200000" flipH="1">
-                <a:off x="829538" y="3364769"/>
-                <a:ext cx="2618287" cy="1306590"/>
-              </a:xfrm>
-              <a:prstGeom prst="wave">
-                <a:avLst>
-                  <a:gd name="adj1" fmla="val 20000"/>
-                  <a:gd name="adj2" fmla="val 8476"/>
-                </a:avLst>
-              </a:prstGeom>
-              <a:solidFill>
-                <a:schemeClr val="bg1"/>
-              </a:solidFill>
-              <a:ln>
-                <a:noFill/>
-              </a:ln>
-            </p:spPr>
-            <p:style>
-              <a:lnRef idx="2">
-                <a:schemeClr val="accent1">
-                  <a:shade val="50000"/>
-                </a:schemeClr>
-              </a:lnRef>
-              <a:fillRef idx="1">
-                <a:schemeClr val="accent1"/>
-              </a:fillRef>
-              <a:effectRef idx="0">
-                <a:schemeClr val="accent1"/>
-              </a:effectRef>
-              <a:fontRef idx="minor">
-                <a:schemeClr val="lt1"/>
-              </a:fontRef>
-            </p:style>
-            <p:txBody>
-              <a:bodyPr rtlCol="0" anchor="ctr"/>
-              <a:lstStyle/>
-              <a:p>
-                <a:pPr algn="ctr"/>
-                <a:endParaRPr lang="ko-KR" altLang="en-US" dirty="0"/>
-              </a:p>
-            </p:txBody>
-          </p:sp>
-          <p:sp>
-            <p:nvSpPr>
-              <p:cNvPr id="11" name="물결 10">
-                <a:extLst>
-                  <a:ext uri="{FF2B5EF4-FFF2-40B4-BE49-F238E27FC236}">
-                    <a16:creationId xmlns:a16="http://schemas.microsoft.com/office/drawing/2014/main" id="{7C84DF44-388A-EB16-BBDD-C73FEF13F6F9}"/>
-                  </a:ext>
-                </a:extLst>
-              </p:cNvPr>
-              <p:cNvSpPr/>
-              <p:nvPr/>
-            </p:nvSpPr>
-            <p:spPr>
-              <a:xfrm rot="5400000">
-                <a:off x="6158753" y="3364769"/>
-                <a:ext cx="2618287" cy="1306590"/>
-              </a:xfrm>
-              <a:prstGeom prst="wave">
-                <a:avLst>
-                  <a:gd name="adj1" fmla="val 20000"/>
-                  <a:gd name="adj2" fmla="val 8476"/>
-                </a:avLst>
-              </a:prstGeom>
-              <a:solidFill>
-                <a:schemeClr val="bg1"/>
-              </a:solidFill>
-              <a:ln>
-                <a:noFill/>
-              </a:ln>
-            </p:spPr>
-            <p:style>
-              <a:lnRef idx="2">
-                <a:schemeClr val="accent1">
-                  <a:shade val="50000"/>
-                </a:schemeClr>
-              </a:lnRef>
-              <a:fillRef idx="1">
-                <a:schemeClr val="accent1"/>
-              </a:fillRef>
-              <a:effectRef idx="0">
-                <a:schemeClr val="accent1"/>
-              </a:effectRef>
-              <a:fontRef idx="minor">
-                <a:schemeClr val="lt1"/>
-              </a:fontRef>
-            </p:style>
-            <p:txBody>
-              <a:bodyPr rtlCol="0" anchor="ctr"/>
-              <a:lstStyle/>
-              <a:p>
-                <a:pPr algn="ctr"/>
-                <a:endParaRPr lang="ko-KR" altLang="en-US" dirty="0"/>
-              </a:p>
-            </p:txBody>
-          </p:sp>
-          <p:sp>
-            <p:nvSpPr>
-              <p:cNvPr id="13" name="막힌 원호 12">
-                <a:extLst>
-                  <a:ext uri="{FF2B5EF4-FFF2-40B4-BE49-F238E27FC236}">
-                    <a16:creationId xmlns:a16="http://schemas.microsoft.com/office/drawing/2014/main" id="{C0B17DAF-92AA-8A41-9AB8-B9289E70EBCE}"/>
-                  </a:ext>
-                </a:extLst>
-              </p:cNvPr>
-              <p:cNvSpPr/>
-              <p:nvPr/>
-            </p:nvSpPr>
-            <p:spPr>
-              <a:xfrm>
-                <a:off x="1466130" y="1057499"/>
-                <a:ext cx="6682889" cy="4768682"/>
-              </a:xfrm>
-              <a:prstGeom prst="blockArc">
-                <a:avLst>
-                  <a:gd name="adj1" fmla="val 11238760"/>
-                  <a:gd name="adj2" fmla="val 21163239"/>
-                  <a:gd name="adj3" fmla="val 21189"/>
-                </a:avLst>
-              </a:prstGeom>
-              <a:solidFill>
-                <a:schemeClr val="bg1"/>
-              </a:solidFill>
-              <a:ln>
-                <a:noFill/>
-              </a:ln>
-            </p:spPr>
-            <p:style>
-              <a:lnRef idx="2">
-                <a:schemeClr val="accent1">
-                  <a:shade val="50000"/>
-                </a:schemeClr>
-              </a:lnRef>
-              <a:fillRef idx="1">
-                <a:schemeClr val="accent1"/>
-              </a:fillRef>
-              <a:effectRef idx="0">
-                <a:schemeClr val="accent1"/>
-              </a:effectRef>
-              <a:fontRef idx="minor">
-                <a:schemeClr val="lt1"/>
-              </a:fontRef>
-            </p:style>
-            <p:txBody>
-              <a:bodyPr rtlCol="0" anchor="ctr"/>
-              <a:lstStyle/>
-              <a:p>
-                <a:pPr algn="ctr"/>
-                <a:endParaRPr lang="ko-KR" altLang="en-US" dirty="0">
-                  <a:solidFill>
-                    <a:schemeClr val="tx1"/>
-                  </a:solidFill>
-                </a:endParaRPr>
-              </a:p>
-            </p:txBody>
-          </p:sp>
-        </p:grpSp>
-        <p:sp>
-          <p:nvSpPr>
-            <p:cNvPr id="14" name="리본: 위로 기울어짐 13">
-              <a:extLst>
-                <a:ext uri="{FF2B5EF4-FFF2-40B4-BE49-F238E27FC236}">
-                  <a16:creationId xmlns:a16="http://schemas.microsoft.com/office/drawing/2014/main" id="{FE81C8EE-8EDB-D786-67ED-34ED7EBBB66E}"/>
-                </a:ext>
-              </a:extLst>
-            </p:cNvPr>
-            <p:cNvSpPr/>
-            <p:nvPr/>
-          </p:nvSpPr>
-          <p:spPr>
-            <a:xfrm>
-              <a:off x="1466129" y="908720"/>
-              <a:ext cx="6682889" cy="2264069"/>
-            </a:xfrm>
-            <a:prstGeom prst="ribbon2">
-              <a:avLst>
-                <a:gd name="adj1" fmla="val 16667"/>
-                <a:gd name="adj2" fmla="val 70412"/>
-              </a:avLst>
-            </a:prstGeom>
-            <a:solidFill>
-              <a:schemeClr val="bg1"/>
-            </a:solidFill>
-            <a:ln>
-              <a:solidFill>
-                <a:schemeClr val="bg1">
-                  <a:lumMod val="85000"/>
-                </a:schemeClr>
-              </a:solidFill>
-            </a:ln>
-          </p:spPr>
-          <p:style>
-            <a:lnRef idx="2">
-              <a:schemeClr val="accent1">
-                <a:shade val="50000"/>
-              </a:schemeClr>
-            </a:lnRef>
-            <a:fillRef idx="1">
-              <a:schemeClr val="accent1"/>
-            </a:fillRef>
-            <a:effectRef idx="0">
-              <a:schemeClr val="accent1"/>
-            </a:effectRef>
-            <a:fontRef idx="minor">
-              <a:schemeClr val="lt1"/>
-            </a:fontRef>
-          </p:style>
-          <p:txBody>
-            <a:bodyPr rtlCol="0" anchor="ctr"/>
-            <a:lstStyle/>
-            <a:p>
-              <a:pPr algn="ctr"/>
-              <a:endParaRPr lang="ko-KR" altLang="en-US" dirty="0"/>
-            </a:p>
-          </p:txBody>
-        </p:sp>
-      </p:grpSp>
+          <a:prstGeom prst="wave">
+            <a:avLst>
+              <a:gd name="adj1" fmla="val 20000"/>
+              <a:gd name="adj2" fmla="val 8476"/>
+            </a:avLst>
+          </a:prstGeom>
+          <a:solidFill>
+            <a:schemeClr val="bg1"/>
+          </a:solidFill>
+          <a:ln>
+            <a:noFill/>
+          </a:ln>
+        </p:spPr>
+        <p:style>
+          <a:lnRef idx="2">
+            <a:schemeClr val="accent1">
+              <a:shade val="50000"/>
+            </a:schemeClr>
+          </a:lnRef>
+          <a:fillRef idx="1">
+            <a:schemeClr val="accent1"/>
+          </a:fillRef>
+          <a:effectRef idx="0">
+            <a:schemeClr val="accent1"/>
+          </a:effectRef>
+          <a:fontRef idx="minor">
+            <a:schemeClr val="lt1"/>
+          </a:fontRef>
+        </p:style>
+        <p:txBody>
+          <a:bodyPr rtlCol="0" anchor="ctr"/>
+          <a:lstStyle/>
+          <a:p>
+            <a:pPr algn="ctr"/>
+            <a:endParaRPr lang="ko-KR" altLang="en-US" dirty="0"/>
+          </a:p>
+        </p:txBody>
+      </p:sp>
+      <p:sp>
+        <p:nvSpPr>
+          <p:cNvPr id="11" name="물결 10">
+            <a:extLst>
+              <a:ext uri="{FF2B5EF4-FFF2-40B4-BE49-F238E27FC236}">
+                <a16:creationId xmlns:a16="http://schemas.microsoft.com/office/drawing/2014/main" xmlns="" id="{7C84DF44-388A-EB16-BBDD-C73FEF13F6F9}"/>
+              </a:ext>
+            </a:extLst>
+          </p:cNvPr>
+          <p:cNvSpPr/>
+          <p:nvPr/>
+        </p:nvSpPr>
+        <p:spPr>
+          <a:xfrm rot="5400000">
+            <a:off x="3362931" y="4431804"/>
+            <a:ext cx="1209360" cy="603500"/>
+          </a:xfrm>
+          <a:prstGeom prst="wave">
+            <a:avLst>
+              <a:gd name="adj1" fmla="val 20000"/>
+              <a:gd name="adj2" fmla="val 8476"/>
+            </a:avLst>
+          </a:prstGeom>
+          <a:solidFill>
+            <a:schemeClr val="bg1"/>
+          </a:solidFill>
+          <a:ln>
+            <a:noFill/>
+          </a:ln>
+        </p:spPr>
+        <p:style>
+          <a:lnRef idx="2">
+            <a:schemeClr val="accent1">
+              <a:shade val="50000"/>
+            </a:schemeClr>
+          </a:lnRef>
+          <a:fillRef idx="1">
+            <a:schemeClr val="accent1"/>
+          </a:fillRef>
+          <a:effectRef idx="0">
+            <a:schemeClr val="accent1"/>
+          </a:effectRef>
+          <a:fontRef idx="minor">
+            <a:schemeClr val="lt1"/>
+          </a:fontRef>
+        </p:style>
+        <p:txBody>
+          <a:bodyPr rtlCol="0" anchor="ctr"/>
+          <a:lstStyle/>
+          <a:p>
+            <a:pPr algn="ctr"/>
+            <a:endParaRPr lang="ko-KR" altLang="en-US" dirty="0"/>
+          </a:p>
+        </p:txBody>
+      </p:sp>
     </p:spTree>
     <p:extLst>
       <p:ext uri="{BB962C8B-B14F-4D97-AF65-F5344CB8AC3E}">
@@ -3894,7 +3774,7 @@
           <p:cNvPr id="13" name="그룹 12">
             <a:extLst>
               <a:ext uri="{FF2B5EF4-FFF2-40B4-BE49-F238E27FC236}">
-                <a16:creationId xmlns:a16="http://schemas.microsoft.com/office/drawing/2014/main" id="{AF4F058E-08EC-7531-A0E8-973600CCBF55}"/>
+                <a16:creationId xmlns:a16="http://schemas.microsoft.com/office/drawing/2014/main" xmlns="" id="{AF4F058E-08EC-7531-A0E8-973600CCBF55}"/>
               </a:ext>
             </a:extLst>
           </p:cNvPr>
@@ -3914,7 +3794,7 @@
             <p:cNvPr id="5" name="그림 4" descr="텍스트, 건물, 창문이(가) 표시된 사진&#10;&#10;자동 생성된 설명">
               <a:extLst>
                 <a:ext uri="{FF2B5EF4-FFF2-40B4-BE49-F238E27FC236}">
-                  <a16:creationId xmlns:a16="http://schemas.microsoft.com/office/drawing/2014/main" id="{761BC16D-2E02-D39E-5544-5B888F659902}"/>
+                  <a16:creationId xmlns:a16="http://schemas.microsoft.com/office/drawing/2014/main" xmlns="" id="{761BC16D-2E02-D39E-5544-5B888F659902}"/>
                 </a:ext>
               </a:extLst>
             </p:cNvPr>
@@ -3952,7 +3832,7 @@
             <p:cNvPr id="6" name="그림 5" descr="텍스트, 건물, 창문이(가) 표시된 사진&#10;&#10;자동 생성된 설명">
               <a:extLst>
                 <a:ext uri="{FF2B5EF4-FFF2-40B4-BE49-F238E27FC236}">
-                  <a16:creationId xmlns:a16="http://schemas.microsoft.com/office/drawing/2014/main" id="{C19CF37E-B107-E7FE-397C-A4DFD01B93BC}"/>
+                  <a16:creationId xmlns:a16="http://schemas.microsoft.com/office/drawing/2014/main" xmlns="" id="{C19CF37E-B107-E7FE-397C-A4DFD01B93BC}"/>
                 </a:ext>
               </a:extLst>
             </p:cNvPr>
@@ -4002,6 +3882,16 @@
 <file path=ppt/slides/slide6.xml><?xml version="1.0" encoding="utf-8"?>
 <p:sld xmlns:a="http://schemas.openxmlformats.org/drawingml/2006/main" xmlns:r="http://schemas.openxmlformats.org/officeDocument/2006/relationships" xmlns:p="http://schemas.openxmlformats.org/presentationml/2006/main">
   <p:cSld>
+    <p:bg>
+      <p:bgPr>
+        <a:solidFill>
+          <a:schemeClr val="bg1">
+            <a:lumMod val="50000"/>
+          </a:schemeClr>
+        </a:solidFill>
+        <a:effectLst/>
+      </p:bgPr>
+    </p:bg>
     <p:spTree>
       <p:nvGrpSpPr>
         <p:cNvPr id="1" name=""/>
@@ -4021,7 +3911,7 @@
           <p:cNvPr id="10" name="그룹 9">
             <a:extLst>
               <a:ext uri="{FF2B5EF4-FFF2-40B4-BE49-F238E27FC236}">
-                <a16:creationId xmlns:a16="http://schemas.microsoft.com/office/drawing/2014/main" id="{769E83BF-D7D1-7930-001C-AD9D0D09DA94}"/>
+                <a16:creationId xmlns:a16="http://schemas.microsoft.com/office/drawing/2014/main" xmlns="" id="{769E83BF-D7D1-7930-001C-AD9D0D09DA94}"/>
               </a:ext>
             </a:extLst>
           </p:cNvPr>
@@ -4041,7 +3931,7 @@
             <p:cNvPr id="2" name="그림 1" descr="텍스트, 건물, 창문이(가) 표시된 사진&#10;&#10;자동 생성된 설명">
               <a:extLst>
                 <a:ext uri="{FF2B5EF4-FFF2-40B4-BE49-F238E27FC236}">
-                  <a16:creationId xmlns:a16="http://schemas.microsoft.com/office/drawing/2014/main" id="{BEBE6E74-E792-DD7E-60EF-3D0ECD2388BE}"/>
+                  <a16:creationId xmlns:a16="http://schemas.microsoft.com/office/drawing/2014/main" xmlns="" id="{BEBE6E74-E792-DD7E-60EF-3D0ECD2388BE}"/>
                 </a:ext>
               </a:extLst>
             </p:cNvPr>
@@ -4079,7 +3969,7 @@
             <p:cNvPr id="3" name="그림 2" descr="텍스트, 건물, 창문이(가) 표시된 사진&#10;&#10;자동 생성된 설명">
               <a:extLst>
                 <a:ext uri="{FF2B5EF4-FFF2-40B4-BE49-F238E27FC236}">
-                  <a16:creationId xmlns:a16="http://schemas.microsoft.com/office/drawing/2014/main" id="{5B12FC7A-5D61-7CCA-3AAA-A41F50A73BE2}"/>
+                  <a16:creationId xmlns:a16="http://schemas.microsoft.com/office/drawing/2014/main" xmlns="" id="{5B12FC7A-5D61-7CCA-3AAA-A41F50A73BE2}"/>
                 </a:ext>
               </a:extLst>
             </p:cNvPr>
@@ -4117,7 +4007,7 @@
             <p:cNvPr id="5" name="그룹 4">
               <a:extLst>
                 <a:ext uri="{FF2B5EF4-FFF2-40B4-BE49-F238E27FC236}">
-                  <a16:creationId xmlns:a16="http://schemas.microsoft.com/office/drawing/2014/main" id="{8B2A431B-5528-3FDB-8FC7-4337CC8428AE}"/>
+                  <a16:creationId xmlns:a16="http://schemas.microsoft.com/office/drawing/2014/main" xmlns="" id="{8B2A431B-5528-3FDB-8FC7-4337CC8428AE}"/>
                 </a:ext>
               </a:extLst>
             </p:cNvPr>
@@ -4137,7 +4027,7 @@
               <p:cNvPr id="7" name="물결 6">
                 <a:extLst>
                   <a:ext uri="{FF2B5EF4-FFF2-40B4-BE49-F238E27FC236}">
-                    <a16:creationId xmlns:a16="http://schemas.microsoft.com/office/drawing/2014/main" id="{34A11EBD-AC6E-5D7E-212F-D4B5DF87F2A5}"/>
+                    <a16:creationId xmlns:a16="http://schemas.microsoft.com/office/drawing/2014/main" xmlns="" id="{34A11EBD-AC6E-5D7E-212F-D4B5DF87F2A5}"/>
                   </a:ext>
                 </a:extLst>
               </p:cNvPr>
@@ -4192,7 +4082,7 @@
               <p:cNvPr id="8" name="물결 7">
                 <a:extLst>
                   <a:ext uri="{FF2B5EF4-FFF2-40B4-BE49-F238E27FC236}">
-                    <a16:creationId xmlns:a16="http://schemas.microsoft.com/office/drawing/2014/main" id="{69DF3439-E677-D164-5D62-AD1AB5CB4FCE}"/>
+                    <a16:creationId xmlns:a16="http://schemas.microsoft.com/office/drawing/2014/main" xmlns="" id="{69DF3439-E677-D164-5D62-AD1AB5CB4FCE}"/>
                   </a:ext>
                 </a:extLst>
               </p:cNvPr>
@@ -4247,7 +4137,7 @@
               <p:cNvPr id="9" name="막힌 원호 8">
                 <a:extLst>
                   <a:ext uri="{FF2B5EF4-FFF2-40B4-BE49-F238E27FC236}">
-                    <a16:creationId xmlns:a16="http://schemas.microsoft.com/office/drawing/2014/main" id="{268BB206-7406-FD38-C238-8B88EC5E9033}"/>
+                    <a16:creationId xmlns:a16="http://schemas.microsoft.com/office/drawing/2014/main" xmlns="" id="{268BB206-7406-FD38-C238-8B88EC5E9033}"/>
                   </a:ext>
                 </a:extLst>
               </p:cNvPr>

--- a/제작/뷰 제작.pptx
+++ b/제작/뷰 제작.pptx
@@ -9,8 +9,10 @@
     <p:sldId id="257" r:id="rId3"/>
     <p:sldId id="259" r:id="rId4"/>
     <p:sldId id="260" r:id="rId5"/>
-    <p:sldId id="261" r:id="rId6"/>
-    <p:sldId id="262" r:id="rId7"/>
+    <p:sldId id="262" r:id="rId6"/>
+    <p:sldId id="261" r:id="rId7"/>
+    <p:sldId id="263" r:id="rId8"/>
+    <p:sldId id="264" r:id="rId9"/>
   </p:sldIdLst>
   <p:sldSz cx="9144000" cy="6858000" type="screen4x3"/>
   <p:notesSz cx="6858000" cy="9144000"/>
@@ -111,7 +113,7 @@
   </p:defaultTextStyle>
   <p:extLst>
     <p:ext uri="{EFAFB233-063F-42B5-8137-9DF3F51BA10A}">
-      <p15:sldGuideLst xmlns:p15="http://schemas.microsoft.com/office/powerpoint/2012/main" xmlns="">
+      <p15:sldGuideLst xmlns:p15="http://schemas.microsoft.com/office/powerpoint/2012/main">
         <p15:guide id="1" orient="horz" pos="2160">
           <p15:clr>
             <a:srgbClr val="A4A3A4"/>
@@ -307,7 +309,7 @@
           <a:p>
             <a:fld id="{5E89329E-BE11-4AEF-90E2-A0329AC9D4C4}" type="datetimeFigureOut">
               <a:rPr lang="ko-KR" altLang="en-US" smtClean="0"/>
-              <a:t>2023-03-31</a:t>
+              <a:t>2023-04-02</a:t>
             </a:fld>
             <a:endParaRPr lang="ko-KR" altLang="en-US"/>
           </a:p>
@@ -475,7 +477,7 @@
           <a:p>
             <a:fld id="{5E89329E-BE11-4AEF-90E2-A0329AC9D4C4}" type="datetimeFigureOut">
               <a:rPr lang="ko-KR" altLang="en-US" smtClean="0"/>
-              <a:t>2023-03-31</a:t>
+              <a:t>2023-04-02</a:t>
             </a:fld>
             <a:endParaRPr lang="ko-KR" altLang="en-US"/>
           </a:p>
@@ -653,7 +655,7 @@
           <a:p>
             <a:fld id="{5E89329E-BE11-4AEF-90E2-A0329AC9D4C4}" type="datetimeFigureOut">
               <a:rPr lang="ko-KR" altLang="en-US" smtClean="0"/>
-              <a:t>2023-03-31</a:t>
+              <a:t>2023-04-02</a:t>
             </a:fld>
             <a:endParaRPr lang="ko-KR" altLang="en-US"/>
           </a:p>
@@ -821,7 +823,7 @@
           <a:p>
             <a:fld id="{5E89329E-BE11-4AEF-90E2-A0329AC9D4C4}" type="datetimeFigureOut">
               <a:rPr lang="ko-KR" altLang="en-US" smtClean="0"/>
-              <a:t>2023-03-31</a:t>
+              <a:t>2023-04-02</a:t>
             </a:fld>
             <a:endParaRPr lang="ko-KR" altLang="en-US"/>
           </a:p>
@@ -1066,7 +1068,7 @@
           <a:p>
             <a:fld id="{5E89329E-BE11-4AEF-90E2-A0329AC9D4C4}" type="datetimeFigureOut">
               <a:rPr lang="ko-KR" altLang="en-US" smtClean="0"/>
-              <a:t>2023-03-31</a:t>
+              <a:t>2023-04-02</a:t>
             </a:fld>
             <a:endParaRPr lang="ko-KR" altLang="en-US"/>
           </a:p>
@@ -1351,7 +1353,7 @@
           <a:p>
             <a:fld id="{5E89329E-BE11-4AEF-90E2-A0329AC9D4C4}" type="datetimeFigureOut">
               <a:rPr lang="ko-KR" altLang="en-US" smtClean="0"/>
-              <a:t>2023-03-31</a:t>
+              <a:t>2023-04-02</a:t>
             </a:fld>
             <a:endParaRPr lang="ko-KR" altLang="en-US"/>
           </a:p>
@@ -1770,7 +1772,7 @@
           <a:p>
             <a:fld id="{5E89329E-BE11-4AEF-90E2-A0329AC9D4C4}" type="datetimeFigureOut">
               <a:rPr lang="ko-KR" altLang="en-US" smtClean="0"/>
-              <a:t>2023-03-31</a:t>
+              <a:t>2023-04-02</a:t>
             </a:fld>
             <a:endParaRPr lang="ko-KR" altLang="en-US"/>
           </a:p>
@@ -1887,7 +1889,7 @@
           <a:p>
             <a:fld id="{5E89329E-BE11-4AEF-90E2-A0329AC9D4C4}" type="datetimeFigureOut">
               <a:rPr lang="ko-KR" altLang="en-US" smtClean="0"/>
-              <a:t>2023-03-31</a:t>
+              <a:t>2023-04-02</a:t>
             </a:fld>
             <a:endParaRPr lang="ko-KR" altLang="en-US"/>
           </a:p>
@@ -1982,7 +1984,7 @@
           <a:p>
             <a:fld id="{5E89329E-BE11-4AEF-90E2-A0329AC9D4C4}" type="datetimeFigureOut">
               <a:rPr lang="ko-KR" altLang="en-US" smtClean="0"/>
-              <a:t>2023-03-31</a:t>
+              <a:t>2023-04-02</a:t>
             </a:fld>
             <a:endParaRPr lang="ko-KR" altLang="en-US"/>
           </a:p>
@@ -2257,7 +2259,7 @@
           <a:p>
             <a:fld id="{5E89329E-BE11-4AEF-90E2-A0329AC9D4C4}" type="datetimeFigureOut">
               <a:rPr lang="ko-KR" altLang="en-US" smtClean="0"/>
-              <a:t>2023-03-31</a:t>
+              <a:t>2023-04-02</a:t>
             </a:fld>
             <a:endParaRPr lang="ko-KR" altLang="en-US"/>
           </a:p>
@@ -2509,7 +2511,7 @@
           <a:p>
             <a:fld id="{5E89329E-BE11-4AEF-90E2-A0329AC9D4C4}" type="datetimeFigureOut">
               <a:rPr lang="ko-KR" altLang="en-US" smtClean="0"/>
-              <a:t>2023-03-31</a:t>
+              <a:t>2023-04-02</a:t>
             </a:fld>
             <a:endParaRPr lang="ko-KR" altLang="en-US"/>
           </a:p>
@@ -2720,7 +2722,7 @@
           <a:p>
             <a:fld id="{5E89329E-BE11-4AEF-90E2-A0329AC9D4C4}" type="datetimeFigureOut">
               <a:rPr lang="ko-KR" altLang="en-US" smtClean="0"/>
-              <a:t>2023-03-31</a:t>
+              <a:t>2023-04-02</a:t>
             </a:fld>
             <a:endParaRPr lang="ko-KR" altLang="en-US"/>
           </a:p>
@@ -3558,7 +3560,7 @@
           <p:cNvPr id="7" name="그림 6" descr="텍스트, 건물, 창문이(가) 표시된 사진&#10;&#10;자동 생성된 설명">
             <a:extLst>
               <a:ext uri="{FF2B5EF4-FFF2-40B4-BE49-F238E27FC236}">
-                <a16:creationId xmlns:a16="http://schemas.microsoft.com/office/drawing/2014/main" xmlns="" id="{86E1162C-2093-8F97-6F47-8173F8243A54}"/>
+                <a16:creationId xmlns:a16="http://schemas.microsoft.com/office/drawing/2014/main" id="{86E1162C-2093-8F97-6F47-8173F8243A54}"/>
               </a:ext>
             </a:extLst>
           </p:cNvPr>
@@ -3596,7 +3598,7 @@
           <p:cNvPr id="10" name="그림 9" descr="텍스트, 건물, 창문이(가) 표시된 사진&#10;&#10;자동 생성된 설명">
             <a:extLst>
               <a:ext uri="{FF2B5EF4-FFF2-40B4-BE49-F238E27FC236}">
-                <a16:creationId xmlns:a16="http://schemas.microsoft.com/office/drawing/2014/main" xmlns="" id="{1C46315B-A339-BB5F-E0EF-B943C5B6A94F}"/>
+                <a16:creationId xmlns:a16="http://schemas.microsoft.com/office/drawing/2014/main" id="{1C46315B-A339-BB5F-E0EF-B943C5B6A94F}"/>
               </a:ext>
             </a:extLst>
           </p:cNvPr>
@@ -3634,7 +3636,7 @@
           <p:cNvPr id="5" name="물결 4">
             <a:extLst>
               <a:ext uri="{FF2B5EF4-FFF2-40B4-BE49-F238E27FC236}">
-                <a16:creationId xmlns:a16="http://schemas.microsoft.com/office/drawing/2014/main" xmlns="" id="{CE5E444F-2AB7-9894-21EB-F7305F0AB727}"/>
+                <a16:creationId xmlns:a16="http://schemas.microsoft.com/office/drawing/2014/main" id="{CE5E444F-2AB7-9894-21EB-F7305F0AB727}"/>
               </a:ext>
             </a:extLst>
           </p:cNvPr>
@@ -3689,7 +3691,7 @@
           <p:cNvPr id="11" name="물결 10">
             <a:extLst>
               <a:ext uri="{FF2B5EF4-FFF2-40B4-BE49-F238E27FC236}">
-                <a16:creationId xmlns:a16="http://schemas.microsoft.com/office/drawing/2014/main" xmlns="" id="{7C84DF44-388A-EB16-BBDD-C73FEF13F6F9}"/>
+                <a16:creationId xmlns:a16="http://schemas.microsoft.com/office/drawing/2014/main" id="{7C84DF44-388A-EB16-BBDD-C73FEF13F6F9}"/>
               </a:ext>
             </a:extLst>
           </p:cNvPr>
@@ -3755,133 +3757,6 @@
 <file path=ppt/slides/slide5.xml><?xml version="1.0" encoding="utf-8"?>
 <p:sld xmlns:a="http://schemas.openxmlformats.org/drawingml/2006/main" xmlns:r="http://schemas.openxmlformats.org/officeDocument/2006/relationships" xmlns:p="http://schemas.openxmlformats.org/presentationml/2006/main">
   <p:cSld>
-    <p:spTree>
-      <p:nvGrpSpPr>
-        <p:cNvPr id="1" name=""/>
-        <p:cNvGrpSpPr/>
-        <p:nvPr/>
-      </p:nvGrpSpPr>
-      <p:grpSpPr>
-        <a:xfrm>
-          <a:off x="0" y="0"/>
-          <a:ext cx="0" cy="0"/>
-          <a:chOff x="0" y="0"/>
-          <a:chExt cx="0" cy="0"/>
-        </a:xfrm>
-      </p:grpSpPr>
-      <p:grpSp>
-        <p:nvGrpSpPr>
-          <p:cNvPr id="13" name="그룹 12">
-            <a:extLst>
-              <a:ext uri="{FF2B5EF4-FFF2-40B4-BE49-F238E27FC236}">
-                <a16:creationId xmlns:a16="http://schemas.microsoft.com/office/drawing/2014/main" xmlns="" id="{AF4F058E-08EC-7531-A0E8-973600CCBF55}"/>
-              </a:ext>
-            </a:extLst>
-          </p:cNvPr>
-          <p:cNvGrpSpPr/>
-          <p:nvPr/>
-        </p:nvGrpSpPr>
-        <p:grpSpPr>
-          <a:xfrm>
-            <a:off x="930122" y="3671762"/>
-            <a:ext cx="7746334" cy="2853582"/>
-            <a:chOff x="930122" y="3671762"/>
-            <a:chExt cx="7746334" cy="2853582"/>
-          </a:xfrm>
-        </p:grpSpPr>
-        <p:pic>
-          <p:nvPicPr>
-            <p:cNvPr id="5" name="그림 4" descr="텍스트, 건물, 창문이(가) 표시된 사진&#10;&#10;자동 생성된 설명">
-              <a:extLst>
-                <a:ext uri="{FF2B5EF4-FFF2-40B4-BE49-F238E27FC236}">
-                  <a16:creationId xmlns:a16="http://schemas.microsoft.com/office/drawing/2014/main" xmlns="" id="{761BC16D-2E02-D39E-5544-5B888F659902}"/>
-                </a:ext>
-              </a:extLst>
-            </p:cNvPr>
-            <p:cNvPicPr>
-              <a:picLocks noChangeAspect="1"/>
-            </p:cNvPicPr>
-            <p:nvPr/>
-          </p:nvPicPr>
-          <p:blipFill rotWithShape="1">
-            <a:blip r:embed="rId2">
-              <a:extLst>
-                <a:ext uri="{28A0092B-C50C-407E-A947-70E740481C1C}">
-                  <a14:useLocalDpi xmlns:a14="http://schemas.microsoft.com/office/drawing/2010/main" val="0"/>
-                </a:ext>
-              </a:extLst>
-            </a:blip>
-            <a:srcRect b="10519"/>
-            <a:stretch/>
-          </p:blipFill>
-          <p:spPr>
-            <a:xfrm>
-              <a:off x="930122" y="3671762"/>
-              <a:ext cx="3189030" cy="2853582"/>
-            </a:xfrm>
-            <a:prstGeom prst="rect">
-              <a:avLst/>
-            </a:prstGeom>
-            <a:ln>
-              <a:noFill/>
-            </a:ln>
-          </p:spPr>
-        </p:pic>
-        <p:pic>
-          <p:nvPicPr>
-            <p:cNvPr id="6" name="그림 5" descr="텍스트, 건물, 창문이(가) 표시된 사진&#10;&#10;자동 생성된 설명">
-              <a:extLst>
-                <a:ext uri="{FF2B5EF4-FFF2-40B4-BE49-F238E27FC236}">
-                  <a16:creationId xmlns:a16="http://schemas.microsoft.com/office/drawing/2014/main" xmlns="" id="{C19CF37E-B107-E7FE-397C-A4DFD01B93BC}"/>
-                </a:ext>
-              </a:extLst>
-            </p:cNvPr>
-            <p:cNvPicPr>
-              <a:picLocks noChangeAspect="1"/>
-            </p:cNvPicPr>
-            <p:nvPr/>
-          </p:nvPicPr>
-          <p:blipFill rotWithShape="1">
-            <a:blip r:embed="rId2">
-              <a:extLst>
-                <a:ext uri="{28A0092B-C50C-407E-A947-70E740481C1C}">
-                  <a14:useLocalDpi xmlns:a14="http://schemas.microsoft.com/office/drawing/2010/main" val="0"/>
-                </a:ext>
-              </a:extLst>
-            </a:blip>
-            <a:srcRect b="10519"/>
-            <a:stretch/>
-          </p:blipFill>
-          <p:spPr>
-            <a:xfrm flipH="1">
-              <a:off x="5487426" y="3671762"/>
-              <a:ext cx="3189030" cy="2853582"/>
-            </a:xfrm>
-            <a:prstGeom prst="rect">
-              <a:avLst/>
-            </a:prstGeom>
-            <a:ln>
-              <a:noFill/>
-            </a:ln>
-          </p:spPr>
-        </p:pic>
-      </p:grpSp>
-    </p:spTree>
-    <p:extLst>
-      <p:ext uri="{BB962C8B-B14F-4D97-AF65-F5344CB8AC3E}">
-        <p14:creationId xmlns:p14="http://schemas.microsoft.com/office/powerpoint/2010/main" val="2703722532"/>
-      </p:ext>
-    </p:extLst>
-  </p:cSld>
-  <p:clrMapOvr>
-    <a:masterClrMapping/>
-  </p:clrMapOvr>
-</p:sld>
-</file>
-
-<file path=ppt/slides/slide6.xml><?xml version="1.0" encoding="utf-8"?>
-<p:sld xmlns:a="http://schemas.openxmlformats.org/drawingml/2006/main" xmlns:r="http://schemas.openxmlformats.org/officeDocument/2006/relationships" xmlns:p="http://schemas.openxmlformats.org/presentationml/2006/main">
-  <p:cSld>
     <p:bg>
       <p:bgPr>
         <a:solidFill>
@@ -3911,7 +3786,7 @@
           <p:cNvPr id="10" name="그룹 9">
             <a:extLst>
               <a:ext uri="{FF2B5EF4-FFF2-40B4-BE49-F238E27FC236}">
-                <a16:creationId xmlns:a16="http://schemas.microsoft.com/office/drawing/2014/main" xmlns="" id="{769E83BF-D7D1-7930-001C-AD9D0D09DA94}"/>
+                <a16:creationId xmlns:a16="http://schemas.microsoft.com/office/drawing/2014/main" id="{769E83BF-D7D1-7930-001C-AD9D0D09DA94}"/>
               </a:ext>
             </a:extLst>
           </p:cNvPr>
@@ -3931,7 +3806,7 @@
             <p:cNvPr id="2" name="그림 1" descr="텍스트, 건물, 창문이(가) 표시된 사진&#10;&#10;자동 생성된 설명">
               <a:extLst>
                 <a:ext uri="{FF2B5EF4-FFF2-40B4-BE49-F238E27FC236}">
-                  <a16:creationId xmlns:a16="http://schemas.microsoft.com/office/drawing/2014/main" xmlns="" id="{BEBE6E74-E792-DD7E-60EF-3D0ECD2388BE}"/>
+                  <a16:creationId xmlns:a16="http://schemas.microsoft.com/office/drawing/2014/main" id="{BEBE6E74-E792-DD7E-60EF-3D0ECD2388BE}"/>
                 </a:ext>
               </a:extLst>
             </p:cNvPr>
@@ -3969,7 +3844,7 @@
             <p:cNvPr id="3" name="그림 2" descr="텍스트, 건물, 창문이(가) 표시된 사진&#10;&#10;자동 생성된 설명">
               <a:extLst>
                 <a:ext uri="{FF2B5EF4-FFF2-40B4-BE49-F238E27FC236}">
-                  <a16:creationId xmlns:a16="http://schemas.microsoft.com/office/drawing/2014/main" xmlns="" id="{5B12FC7A-5D61-7CCA-3AAA-A41F50A73BE2}"/>
+                  <a16:creationId xmlns:a16="http://schemas.microsoft.com/office/drawing/2014/main" id="{5B12FC7A-5D61-7CCA-3AAA-A41F50A73BE2}"/>
                 </a:ext>
               </a:extLst>
             </p:cNvPr>
@@ -4007,7 +3882,7 @@
             <p:cNvPr id="5" name="그룹 4">
               <a:extLst>
                 <a:ext uri="{FF2B5EF4-FFF2-40B4-BE49-F238E27FC236}">
-                  <a16:creationId xmlns:a16="http://schemas.microsoft.com/office/drawing/2014/main" xmlns="" id="{8B2A431B-5528-3FDB-8FC7-4337CC8428AE}"/>
+                  <a16:creationId xmlns:a16="http://schemas.microsoft.com/office/drawing/2014/main" id="{8B2A431B-5528-3FDB-8FC7-4337CC8428AE}"/>
                 </a:ext>
               </a:extLst>
             </p:cNvPr>
@@ -4027,7 +3902,7 @@
               <p:cNvPr id="7" name="물결 6">
                 <a:extLst>
                   <a:ext uri="{FF2B5EF4-FFF2-40B4-BE49-F238E27FC236}">
-                    <a16:creationId xmlns:a16="http://schemas.microsoft.com/office/drawing/2014/main" xmlns="" id="{34A11EBD-AC6E-5D7E-212F-D4B5DF87F2A5}"/>
+                    <a16:creationId xmlns:a16="http://schemas.microsoft.com/office/drawing/2014/main" id="{34A11EBD-AC6E-5D7E-212F-D4B5DF87F2A5}"/>
                   </a:ext>
                 </a:extLst>
               </p:cNvPr>
@@ -4082,7 +3957,7 @@
               <p:cNvPr id="8" name="물결 7">
                 <a:extLst>
                   <a:ext uri="{FF2B5EF4-FFF2-40B4-BE49-F238E27FC236}">
-                    <a16:creationId xmlns:a16="http://schemas.microsoft.com/office/drawing/2014/main" xmlns="" id="{69DF3439-E677-D164-5D62-AD1AB5CB4FCE}"/>
+                    <a16:creationId xmlns:a16="http://schemas.microsoft.com/office/drawing/2014/main" id="{69DF3439-E677-D164-5D62-AD1AB5CB4FCE}"/>
                   </a:ext>
                 </a:extLst>
               </p:cNvPr>
@@ -4137,7 +4012,7 @@
               <p:cNvPr id="9" name="막힌 원호 8">
                 <a:extLst>
                   <a:ext uri="{FF2B5EF4-FFF2-40B4-BE49-F238E27FC236}">
-                    <a16:creationId xmlns:a16="http://schemas.microsoft.com/office/drawing/2014/main" xmlns="" id="{268BB206-7406-FD38-C238-8B88EC5E9033}"/>
+                    <a16:creationId xmlns:a16="http://schemas.microsoft.com/office/drawing/2014/main" id="{268BB206-7406-FD38-C238-8B88EC5E9033}"/>
                   </a:ext>
                 </a:extLst>
               </p:cNvPr>
@@ -4198,6 +4073,803 @@
     <p:extLst>
       <p:ext uri="{BB962C8B-B14F-4D97-AF65-F5344CB8AC3E}">
         <p14:creationId xmlns:p14="http://schemas.microsoft.com/office/powerpoint/2010/main" val="3616582545"/>
+      </p:ext>
+    </p:extLst>
+  </p:cSld>
+  <p:clrMapOvr>
+    <a:masterClrMapping/>
+  </p:clrMapOvr>
+</p:sld>
+</file>
+
+<file path=ppt/slides/slide6.xml><?xml version="1.0" encoding="utf-8"?>
+<p:sld xmlns:a="http://schemas.openxmlformats.org/drawingml/2006/main" xmlns:r="http://schemas.openxmlformats.org/officeDocument/2006/relationships" xmlns:p="http://schemas.openxmlformats.org/presentationml/2006/main">
+  <p:cSld>
+    <p:spTree>
+      <p:nvGrpSpPr>
+        <p:cNvPr id="1" name=""/>
+        <p:cNvGrpSpPr/>
+        <p:nvPr/>
+      </p:nvGrpSpPr>
+      <p:grpSpPr>
+        <a:xfrm>
+          <a:off x="0" y="0"/>
+          <a:ext cx="0" cy="0"/>
+          <a:chOff x="0" y="0"/>
+          <a:chExt cx="0" cy="0"/>
+        </a:xfrm>
+      </p:grpSpPr>
+      <p:pic>
+        <p:nvPicPr>
+          <p:cNvPr id="2" name="Picture 2" descr="D:\GitHub\Design\안드로이드\0.배경\basic.jpg">
+            <a:extLst>
+              <a:ext uri="{FF2B5EF4-FFF2-40B4-BE49-F238E27FC236}">
+                <a16:creationId xmlns:a16="http://schemas.microsoft.com/office/drawing/2014/main" id="{E8D0229F-8D80-0035-69B0-A9DB29F4142B}"/>
+              </a:ext>
+            </a:extLst>
+          </p:cNvPr>
+          <p:cNvPicPr>
+            <a:picLocks noChangeAspect="1" noChangeArrowheads="1"/>
+          </p:cNvPicPr>
+          <p:nvPr/>
+        </p:nvPicPr>
+        <p:blipFill>
+          <a:blip r:embed="rId2" cstate="print">
+            <a:extLst>
+              <a:ext uri="{28A0092B-C50C-407E-A947-70E740481C1C}">
+                <a14:useLocalDpi xmlns:a14="http://schemas.microsoft.com/office/drawing/2010/main" val="0"/>
+              </a:ext>
+            </a:extLst>
+          </a:blip>
+          <a:srcRect/>
+          <a:stretch>
+            <a:fillRect/>
+          </a:stretch>
+        </p:blipFill>
+        <p:spPr bwMode="auto">
+          <a:xfrm flipH="1">
+            <a:off x="451378" y="0"/>
+            <a:ext cx="4633363" cy="6950045"/>
+          </a:xfrm>
+          <a:prstGeom prst="rect">
+            <a:avLst/>
+          </a:prstGeom>
+          <a:noFill/>
+          <a:extLst>
+            <a:ext uri="{909E8E84-426E-40DD-AFC4-6F175D3DCCD1}">
+              <a14:hiddenFill xmlns:a14="http://schemas.microsoft.com/office/drawing/2010/main">
+                <a:solidFill>
+                  <a:srgbClr val="FFFFFF"/>
+                </a:solidFill>
+              </a14:hiddenFill>
+            </a:ext>
+          </a:extLst>
+        </p:spPr>
+      </p:pic>
+      <p:pic>
+        <p:nvPicPr>
+          <p:cNvPr id="5" name="그림 4" descr="텍스트, 건물, 창문이(가) 표시된 사진&#10;&#10;자동 생성된 설명">
+            <a:extLst>
+              <a:ext uri="{FF2B5EF4-FFF2-40B4-BE49-F238E27FC236}">
+                <a16:creationId xmlns:a16="http://schemas.microsoft.com/office/drawing/2014/main" id="{761BC16D-2E02-D39E-5544-5B888F659902}"/>
+              </a:ext>
+            </a:extLst>
+          </p:cNvPr>
+          <p:cNvPicPr>
+            <a:picLocks noChangeAspect="1"/>
+          </p:cNvPicPr>
+          <p:nvPr/>
+        </p:nvPicPr>
+        <p:blipFill rotWithShape="1">
+          <a:blip r:embed="rId3" cstate="print">
+            <a:lum bright="70000" contrast="-70000"/>
+            <a:extLst>
+              <a:ext uri="{28A0092B-C50C-407E-A947-70E740481C1C}">
+                <a14:useLocalDpi xmlns:a14="http://schemas.microsoft.com/office/drawing/2010/main" val="0"/>
+              </a:ext>
+            </a:extLst>
+          </a:blip>
+          <a:srcRect b="10519"/>
+          <a:stretch/>
+        </p:blipFill>
+        <p:spPr>
+          <a:xfrm>
+            <a:off x="683568" y="4614873"/>
+            <a:ext cx="1652216" cy="1478423"/>
+          </a:xfrm>
+          <a:prstGeom prst="rect">
+            <a:avLst/>
+          </a:prstGeom>
+          <a:ln>
+            <a:noFill/>
+          </a:ln>
+        </p:spPr>
+      </p:pic>
+      <p:pic>
+        <p:nvPicPr>
+          <p:cNvPr id="6" name="그림 5" descr="텍스트, 건물, 창문이(가) 표시된 사진&#10;&#10;자동 생성된 설명">
+            <a:extLst>
+              <a:ext uri="{FF2B5EF4-FFF2-40B4-BE49-F238E27FC236}">
+                <a16:creationId xmlns:a16="http://schemas.microsoft.com/office/drawing/2014/main" id="{C19CF37E-B107-E7FE-397C-A4DFD01B93BC}"/>
+              </a:ext>
+            </a:extLst>
+          </p:cNvPr>
+          <p:cNvPicPr>
+            <a:picLocks noChangeAspect="1"/>
+          </p:cNvPicPr>
+          <p:nvPr/>
+        </p:nvPicPr>
+        <p:blipFill rotWithShape="1">
+          <a:blip r:embed="rId3" cstate="print">
+            <a:lum bright="70000" contrast="-70000"/>
+            <a:extLst>
+              <a:ext uri="{28A0092B-C50C-407E-A947-70E740481C1C}">
+                <a14:useLocalDpi xmlns:a14="http://schemas.microsoft.com/office/drawing/2010/main" val="0"/>
+              </a:ext>
+            </a:extLst>
+          </a:blip>
+          <a:srcRect b="10519"/>
+          <a:stretch/>
+        </p:blipFill>
+        <p:spPr>
+          <a:xfrm flipH="1">
+            <a:off x="3203848" y="4614873"/>
+            <a:ext cx="1652216" cy="1478423"/>
+          </a:xfrm>
+          <a:prstGeom prst="rect">
+            <a:avLst/>
+          </a:prstGeom>
+          <a:ln>
+            <a:noFill/>
+          </a:ln>
+        </p:spPr>
+      </p:pic>
+      <p:grpSp>
+        <p:nvGrpSpPr>
+          <p:cNvPr id="16" name="그룹 15">
+            <a:extLst>
+              <a:ext uri="{FF2B5EF4-FFF2-40B4-BE49-F238E27FC236}">
+                <a16:creationId xmlns:a16="http://schemas.microsoft.com/office/drawing/2014/main" id="{2C899210-88A7-9074-85D3-418C76FBE9B1}"/>
+              </a:ext>
+            </a:extLst>
+          </p:cNvPr>
+          <p:cNvGrpSpPr/>
+          <p:nvPr/>
+        </p:nvGrpSpPr>
+        <p:grpSpPr>
+          <a:xfrm>
+            <a:off x="601039" y="1520230"/>
+            <a:ext cx="4245138" cy="1098900"/>
+            <a:chOff x="532283" y="1754037"/>
+            <a:chExt cx="4245138" cy="1098900"/>
+          </a:xfrm>
+        </p:grpSpPr>
+        <p:sp>
+          <p:nvSpPr>
+            <p:cNvPr id="8" name="직사각형 7">
+              <a:extLst>
+                <a:ext uri="{FF2B5EF4-FFF2-40B4-BE49-F238E27FC236}">
+                  <a16:creationId xmlns:a16="http://schemas.microsoft.com/office/drawing/2014/main" id="{6E7AF48A-1EBE-55CC-3EEE-953B0D411FAF}"/>
+                </a:ext>
+              </a:extLst>
+            </p:cNvPr>
+            <p:cNvSpPr/>
+            <p:nvPr/>
+          </p:nvSpPr>
+          <p:spPr>
+            <a:xfrm>
+              <a:off x="1246640" y="2354665"/>
+              <a:ext cx="3530781" cy="498272"/>
+            </a:xfrm>
+            <a:prstGeom prst="rect">
+              <a:avLst/>
+            </a:prstGeom>
+            <a:solidFill>
+              <a:schemeClr val="bg1"/>
+            </a:solidFill>
+            <a:ln w="76200">
+              <a:solidFill>
+                <a:schemeClr val="bg1"/>
+              </a:solidFill>
+            </a:ln>
+          </p:spPr>
+          <p:style>
+            <a:lnRef idx="2">
+              <a:schemeClr val="accent1">
+                <a:shade val="50000"/>
+              </a:schemeClr>
+            </a:lnRef>
+            <a:fillRef idx="1">
+              <a:schemeClr val="accent1"/>
+            </a:fillRef>
+            <a:effectRef idx="0">
+              <a:schemeClr val="accent1"/>
+            </a:effectRef>
+            <a:fontRef idx="minor">
+              <a:schemeClr val="lt1"/>
+            </a:fontRef>
+          </p:style>
+          <p:txBody>
+            <a:bodyPr rtlCol="0" anchor="ctr"/>
+            <a:lstStyle/>
+            <a:p>
+              <a:pPr algn="ctr"/>
+              <a:endParaRPr lang="ko-KR" altLang="en-US" dirty="0"/>
+            </a:p>
+          </p:txBody>
+        </p:sp>
+        <p:pic>
+          <p:nvPicPr>
+            <p:cNvPr id="7" name="그림 6">
+              <a:extLst>
+                <a:ext uri="{FF2B5EF4-FFF2-40B4-BE49-F238E27FC236}">
+                  <a16:creationId xmlns:a16="http://schemas.microsoft.com/office/drawing/2014/main" id="{A5F75D51-0E9C-69AE-1923-BC95A4310FC1}"/>
+                </a:ext>
+              </a:extLst>
+            </p:cNvPr>
+            <p:cNvPicPr>
+              <a:picLocks noChangeAspect="1"/>
+            </p:cNvPicPr>
+            <p:nvPr/>
+          </p:nvPicPr>
+          <p:blipFill>
+            <a:blip r:embed="rId4" cstate="print">
+              <a:extLst>
+                <a:ext uri="{BEBA8EAE-BF5A-486C-A8C5-ECC9F3942E4B}">
+                  <a14:imgProps xmlns:a14="http://schemas.microsoft.com/office/drawing/2010/main">
+                    <a14:imgLayer r:embed="rId5">
+                      <a14:imgEffect>
+                        <a14:colorTemperature colorTemp="11500"/>
+                      </a14:imgEffect>
+                      <a14:imgEffect>
+                        <a14:saturation sat="400000"/>
+                      </a14:imgEffect>
+                      <a14:imgEffect>
+                        <a14:brightnessContrast bright="100000" contrast="100000"/>
+                      </a14:imgEffect>
+                    </a14:imgLayer>
+                  </a14:imgProps>
+                </a:ext>
+                <a:ext uri="{28A0092B-C50C-407E-A947-70E740481C1C}">
+                  <a14:useLocalDpi xmlns:a14="http://schemas.microsoft.com/office/drawing/2010/main" val="0"/>
+                </a:ext>
+              </a:extLst>
+            </a:blip>
+            <a:stretch>
+              <a:fillRect/>
+            </a:stretch>
+          </p:blipFill>
+          <p:spPr>
+            <a:xfrm rot="1438100" flipH="1">
+              <a:off x="532283" y="1754037"/>
+              <a:ext cx="854661" cy="854661"/>
+            </a:xfrm>
+            <a:prstGeom prst="rect">
+              <a:avLst/>
+            </a:prstGeom>
+          </p:spPr>
+        </p:pic>
+      </p:grpSp>
+      <p:grpSp>
+        <p:nvGrpSpPr>
+          <p:cNvPr id="14" name="그룹 13">
+            <a:extLst>
+              <a:ext uri="{FF2B5EF4-FFF2-40B4-BE49-F238E27FC236}">
+                <a16:creationId xmlns:a16="http://schemas.microsoft.com/office/drawing/2014/main" id="{F6853301-B01A-FD23-BB9D-206469E7177C}"/>
+              </a:ext>
+            </a:extLst>
+          </p:cNvPr>
+          <p:cNvGrpSpPr/>
+          <p:nvPr/>
+        </p:nvGrpSpPr>
+        <p:grpSpPr>
+          <a:xfrm flipH="1" flipV="1">
+            <a:off x="700757" y="2780928"/>
+            <a:ext cx="4245138" cy="1098900"/>
+            <a:chOff x="532283" y="2828372"/>
+            <a:chExt cx="4245138" cy="1098900"/>
+          </a:xfrm>
+        </p:grpSpPr>
+        <p:sp>
+          <p:nvSpPr>
+            <p:cNvPr id="11" name="직사각형 10">
+              <a:extLst>
+                <a:ext uri="{FF2B5EF4-FFF2-40B4-BE49-F238E27FC236}">
+                  <a16:creationId xmlns:a16="http://schemas.microsoft.com/office/drawing/2014/main" id="{5EF63334-1494-0124-5488-D344DF6C12C6}"/>
+                </a:ext>
+              </a:extLst>
+            </p:cNvPr>
+            <p:cNvSpPr/>
+            <p:nvPr/>
+          </p:nvSpPr>
+          <p:spPr>
+            <a:xfrm flipH="1">
+              <a:off x="1246640" y="3429000"/>
+              <a:ext cx="3530781" cy="498272"/>
+            </a:xfrm>
+            <a:prstGeom prst="rect">
+              <a:avLst/>
+            </a:prstGeom>
+            <a:solidFill>
+              <a:schemeClr val="bg1"/>
+            </a:solidFill>
+            <a:ln w="76200">
+              <a:solidFill>
+                <a:schemeClr val="bg1"/>
+              </a:solidFill>
+            </a:ln>
+          </p:spPr>
+          <p:style>
+            <a:lnRef idx="2">
+              <a:schemeClr val="accent1">
+                <a:shade val="50000"/>
+              </a:schemeClr>
+            </a:lnRef>
+            <a:fillRef idx="1">
+              <a:schemeClr val="accent1"/>
+            </a:fillRef>
+            <a:effectRef idx="0">
+              <a:schemeClr val="accent1"/>
+            </a:effectRef>
+            <a:fontRef idx="minor">
+              <a:schemeClr val="lt1"/>
+            </a:fontRef>
+          </p:style>
+          <p:txBody>
+            <a:bodyPr rtlCol="0" anchor="ctr"/>
+            <a:lstStyle/>
+            <a:p>
+              <a:pPr algn="ctr"/>
+              <a:endParaRPr lang="ko-KR" altLang="en-US" dirty="0"/>
+            </a:p>
+          </p:txBody>
+        </p:sp>
+        <p:pic>
+          <p:nvPicPr>
+            <p:cNvPr id="12" name="그림 11">
+              <a:extLst>
+                <a:ext uri="{FF2B5EF4-FFF2-40B4-BE49-F238E27FC236}">
+                  <a16:creationId xmlns:a16="http://schemas.microsoft.com/office/drawing/2014/main" id="{E5E4DA90-58E8-6AFC-99A1-C041CEA9EE4B}"/>
+                </a:ext>
+              </a:extLst>
+            </p:cNvPr>
+            <p:cNvPicPr>
+              <a:picLocks noChangeAspect="1"/>
+            </p:cNvPicPr>
+            <p:nvPr/>
+          </p:nvPicPr>
+          <p:blipFill>
+            <a:blip r:embed="rId4" cstate="print">
+              <a:extLst>
+                <a:ext uri="{BEBA8EAE-BF5A-486C-A8C5-ECC9F3942E4B}">
+                  <a14:imgProps xmlns:a14="http://schemas.microsoft.com/office/drawing/2010/main">
+                    <a14:imgLayer r:embed="rId5">
+                      <a14:imgEffect>
+                        <a14:colorTemperature colorTemp="11500"/>
+                      </a14:imgEffect>
+                      <a14:imgEffect>
+                        <a14:saturation sat="400000"/>
+                      </a14:imgEffect>
+                      <a14:imgEffect>
+                        <a14:brightnessContrast bright="100000" contrast="100000"/>
+                      </a14:imgEffect>
+                    </a14:imgLayer>
+                  </a14:imgProps>
+                </a:ext>
+                <a:ext uri="{28A0092B-C50C-407E-A947-70E740481C1C}">
+                  <a14:useLocalDpi xmlns:a14="http://schemas.microsoft.com/office/drawing/2010/main" val="0"/>
+                </a:ext>
+              </a:extLst>
+            </a:blip>
+            <a:stretch>
+              <a:fillRect/>
+            </a:stretch>
+          </p:blipFill>
+          <p:spPr>
+            <a:xfrm rot="1438100" flipH="1">
+              <a:off x="532283" y="2828372"/>
+              <a:ext cx="854661" cy="854661"/>
+            </a:xfrm>
+            <a:prstGeom prst="rect">
+              <a:avLst/>
+            </a:prstGeom>
+          </p:spPr>
+        </p:pic>
+      </p:grpSp>
+    </p:spTree>
+    <p:extLst>
+      <p:ext uri="{BB962C8B-B14F-4D97-AF65-F5344CB8AC3E}">
+        <p14:creationId xmlns:p14="http://schemas.microsoft.com/office/powerpoint/2010/main" val="2703722532"/>
+      </p:ext>
+    </p:extLst>
+  </p:cSld>
+  <p:clrMapOvr>
+    <a:masterClrMapping/>
+  </p:clrMapOvr>
+</p:sld>
+</file>
+
+<file path=ppt/slides/slide7.xml><?xml version="1.0" encoding="utf-8"?>
+<p:sld xmlns:a="http://schemas.openxmlformats.org/drawingml/2006/main" xmlns:r="http://schemas.openxmlformats.org/officeDocument/2006/relationships" xmlns:p="http://schemas.openxmlformats.org/presentationml/2006/main">
+  <p:cSld>
+    <p:spTree>
+      <p:nvGrpSpPr>
+        <p:cNvPr id="1" name=""/>
+        <p:cNvGrpSpPr/>
+        <p:nvPr/>
+      </p:nvGrpSpPr>
+      <p:grpSpPr>
+        <a:xfrm>
+          <a:off x="0" y="0"/>
+          <a:ext cx="0" cy="0"/>
+          <a:chOff x="0" y="0"/>
+          <a:chExt cx="0" cy="0"/>
+        </a:xfrm>
+      </p:grpSpPr>
+      <p:pic>
+        <p:nvPicPr>
+          <p:cNvPr id="2" name="Picture 2" descr="D:\GitHub\Design\안드로이드\0.배경\basic.jpg">
+            <a:extLst>
+              <a:ext uri="{FF2B5EF4-FFF2-40B4-BE49-F238E27FC236}">
+                <a16:creationId xmlns:a16="http://schemas.microsoft.com/office/drawing/2014/main" id="{E8D0229F-8D80-0035-69B0-A9DB29F4142B}"/>
+              </a:ext>
+            </a:extLst>
+          </p:cNvPr>
+          <p:cNvPicPr>
+            <a:picLocks noChangeAspect="1" noChangeArrowheads="1"/>
+          </p:cNvPicPr>
+          <p:nvPr/>
+        </p:nvPicPr>
+        <p:blipFill>
+          <a:blip r:embed="rId2" cstate="print">
+            <a:extLst>
+              <a:ext uri="{28A0092B-C50C-407E-A947-70E740481C1C}">
+                <a14:useLocalDpi xmlns:a14="http://schemas.microsoft.com/office/drawing/2010/main" val="0"/>
+              </a:ext>
+            </a:extLst>
+          </a:blip>
+          <a:srcRect/>
+          <a:stretch>
+            <a:fillRect/>
+          </a:stretch>
+        </p:blipFill>
+        <p:spPr bwMode="auto">
+          <a:xfrm flipH="1">
+            <a:off x="4128215" y="-123930"/>
+            <a:ext cx="4633363" cy="6950045"/>
+          </a:xfrm>
+          <a:prstGeom prst="rect">
+            <a:avLst/>
+          </a:prstGeom>
+          <a:noFill/>
+          <a:extLst>
+            <a:ext uri="{909E8E84-426E-40DD-AFC4-6F175D3DCCD1}">
+              <a14:hiddenFill xmlns:a14="http://schemas.microsoft.com/office/drawing/2010/main">
+                <a:solidFill>
+                  <a:srgbClr val="FFFFFF"/>
+                </a:solidFill>
+              </a14:hiddenFill>
+            </a:ext>
+          </a:extLst>
+        </p:spPr>
+      </p:pic>
+      <p:pic>
+        <p:nvPicPr>
+          <p:cNvPr id="4" name="그림 3">
+            <a:extLst>
+              <a:ext uri="{FF2B5EF4-FFF2-40B4-BE49-F238E27FC236}">
+                <a16:creationId xmlns:a16="http://schemas.microsoft.com/office/drawing/2014/main" id="{4639861D-A39A-58AF-D2F7-8B9EDC50C1AE}"/>
+              </a:ext>
+            </a:extLst>
+          </p:cNvPr>
+          <p:cNvPicPr>
+            <a:picLocks noChangeAspect="1"/>
+          </p:cNvPicPr>
+          <p:nvPr/>
+        </p:nvPicPr>
+        <p:blipFill>
+          <a:blip r:embed="rId3" cstate="print">
+            <a:extLst>
+              <a:ext uri="{BEBA8EAE-BF5A-486C-A8C5-ECC9F3942E4B}">
+                <a14:imgProps xmlns:a14="http://schemas.microsoft.com/office/drawing/2010/main">
+                  <a14:imgLayer r:embed="rId4">
+                    <a14:imgEffect>
+                      <a14:saturation sat="400000"/>
+                    </a14:imgEffect>
+                  </a14:imgLayer>
+                </a14:imgProps>
+              </a:ext>
+              <a:ext uri="{28A0092B-C50C-407E-A947-70E740481C1C}">
+                <a14:useLocalDpi xmlns:a14="http://schemas.microsoft.com/office/drawing/2010/main" val="0"/>
+              </a:ext>
+            </a:extLst>
+          </a:blip>
+          <a:stretch>
+            <a:fillRect/>
+          </a:stretch>
+        </p:blipFill>
+        <p:spPr>
+          <a:xfrm flipH="1">
+            <a:off x="1629906" y="3534042"/>
+            <a:ext cx="1843933" cy="1843933"/>
+          </a:xfrm>
+          <a:prstGeom prst="rect">
+            <a:avLst/>
+          </a:prstGeom>
+        </p:spPr>
+      </p:pic>
+      <p:pic>
+        <p:nvPicPr>
+          <p:cNvPr id="10" name="그림 9">
+            <a:extLst>
+              <a:ext uri="{FF2B5EF4-FFF2-40B4-BE49-F238E27FC236}">
+                <a16:creationId xmlns:a16="http://schemas.microsoft.com/office/drawing/2014/main" id="{4E68DA02-8281-EBA5-672F-F4BF743CB105}"/>
+              </a:ext>
+            </a:extLst>
+          </p:cNvPr>
+          <p:cNvPicPr>
+            <a:picLocks noChangeAspect="1"/>
+          </p:cNvPicPr>
+          <p:nvPr/>
+        </p:nvPicPr>
+        <p:blipFill>
+          <a:blip r:embed="rId5" cstate="print">
+            <a:extLst>
+              <a:ext uri="{BEBA8EAE-BF5A-486C-A8C5-ECC9F3942E4B}">
+                <a14:imgProps xmlns:a14="http://schemas.microsoft.com/office/drawing/2010/main">
+                  <a14:imgLayer r:embed="rId6">
+                    <a14:imgEffect>
+                      <a14:saturation sat="400000"/>
+                    </a14:imgEffect>
+                  </a14:imgLayer>
+                </a14:imgProps>
+              </a:ext>
+              <a:ext uri="{28A0092B-C50C-407E-A947-70E740481C1C}">
+                <a14:useLocalDpi xmlns:a14="http://schemas.microsoft.com/office/drawing/2010/main" val="0"/>
+              </a:ext>
+            </a:extLst>
+          </a:blip>
+          <a:stretch>
+            <a:fillRect/>
+          </a:stretch>
+        </p:blipFill>
+        <p:spPr>
+          <a:xfrm flipH="1">
+            <a:off x="899592" y="764704"/>
+            <a:ext cx="1884218" cy="1884218"/>
+          </a:xfrm>
+          <a:prstGeom prst="rect">
+            <a:avLst/>
+          </a:prstGeom>
+        </p:spPr>
+      </p:pic>
+      <p:pic>
+        <p:nvPicPr>
+          <p:cNvPr id="15" name="그림 14">
+            <a:extLst>
+              <a:ext uri="{FF2B5EF4-FFF2-40B4-BE49-F238E27FC236}">
+                <a16:creationId xmlns:a16="http://schemas.microsoft.com/office/drawing/2014/main" id="{673BF94C-72BF-895C-846D-94D53041365E}"/>
+              </a:ext>
+            </a:extLst>
+          </p:cNvPr>
+          <p:cNvPicPr>
+            <a:picLocks noChangeAspect="1"/>
+          </p:cNvPicPr>
+          <p:nvPr/>
+        </p:nvPicPr>
+        <p:blipFill>
+          <a:blip r:embed="rId7">
+            <a:extLst>
+              <a:ext uri="{28A0092B-C50C-407E-A947-70E740481C1C}">
+                <a14:useLocalDpi xmlns:a14="http://schemas.microsoft.com/office/drawing/2010/main" val="0"/>
+              </a:ext>
+            </a:extLst>
+          </a:blip>
+          <a:stretch>
+            <a:fillRect/>
+          </a:stretch>
+        </p:blipFill>
+        <p:spPr>
+          <a:xfrm>
+            <a:off x="4109903" y="2836566"/>
+            <a:ext cx="2334993" cy="2334993"/>
+          </a:xfrm>
+          <a:prstGeom prst="rect">
+            <a:avLst/>
+          </a:prstGeom>
+        </p:spPr>
+      </p:pic>
+      <p:pic>
+        <p:nvPicPr>
+          <p:cNvPr id="18" name="그림 17">
+            <a:extLst>
+              <a:ext uri="{FF2B5EF4-FFF2-40B4-BE49-F238E27FC236}">
+                <a16:creationId xmlns:a16="http://schemas.microsoft.com/office/drawing/2014/main" id="{8E46E31A-EA19-74B3-8BA5-38B73F87C206}"/>
+              </a:ext>
+            </a:extLst>
+          </p:cNvPr>
+          <p:cNvPicPr>
+            <a:picLocks noChangeAspect="1"/>
+          </p:cNvPicPr>
+          <p:nvPr/>
+        </p:nvPicPr>
+        <p:blipFill>
+          <a:blip r:embed="rId8" cstate="print">
+            <a:extLst>
+              <a:ext uri="{28A0092B-C50C-407E-A947-70E740481C1C}">
+                <a14:useLocalDpi xmlns:a14="http://schemas.microsoft.com/office/drawing/2010/main" val="0"/>
+              </a:ext>
+            </a:extLst>
+          </a:blip>
+          <a:stretch>
+            <a:fillRect/>
+          </a:stretch>
+        </p:blipFill>
+        <p:spPr>
+          <a:xfrm>
+            <a:off x="7514094" y="5485680"/>
+            <a:ext cx="1079586" cy="1079586"/>
+          </a:xfrm>
+          <a:prstGeom prst="rect">
+            <a:avLst/>
+          </a:prstGeom>
+        </p:spPr>
+      </p:pic>
+      <p:pic>
+        <p:nvPicPr>
+          <p:cNvPr id="20" name="그림 19">
+            <a:extLst>
+              <a:ext uri="{FF2B5EF4-FFF2-40B4-BE49-F238E27FC236}">
+                <a16:creationId xmlns:a16="http://schemas.microsoft.com/office/drawing/2014/main" id="{80E1D888-ED97-97FE-0688-A408E2102E13}"/>
+              </a:ext>
+            </a:extLst>
+          </p:cNvPr>
+          <p:cNvPicPr>
+            <a:picLocks noChangeAspect="1"/>
+          </p:cNvPicPr>
+          <p:nvPr/>
+        </p:nvPicPr>
+        <p:blipFill>
+          <a:blip r:embed="rId9">
+            <a:lum bright="70000" contrast="-70000"/>
+            <a:extLst>
+              <a:ext uri="{28A0092B-C50C-407E-A947-70E740481C1C}">
+                <a14:useLocalDpi xmlns:a14="http://schemas.microsoft.com/office/drawing/2010/main" val="0"/>
+              </a:ext>
+            </a:extLst>
+          </a:blip>
+          <a:stretch>
+            <a:fillRect/>
+          </a:stretch>
+        </p:blipFill>
+        <p:spPr>
+          <a:xfrm>
+            <a:off x="5004048" y="1556792"/>
+            <a:ext cx="2290883" cy="1544775"/>
+          </a:xfrm>
+          <a:prstGeom prst="rect">
+            <a:avLst/>
+          </a:prstGeom>
+        </p:spPr>
+      </p:pic>
+      <p:pic>
+        <p:nvPicPr>
+          <p:cNvPr id="21" name="그림 20">
+            <a:extLst>
+              <a:ext uri="{FF2B5EF4-FFF2-40B4-BE49-F238E27FC236}">
+                <a16:creationId xmlns:a16="http://schemas.microsoft.com/office/drawing/2014/main" id="{358EDFCC-C146-22B0-E832-50527EAFB7C9}"/>
+              </a:ext>
+            </a:extLst>
+          </p:cNvPr>
+          <p:cNvPicPr>
+            <a:picLocks noChangeAspect="1"/>
+          </p:cNvPicPr>
+          <p:nvPr/>
+        </p:nvPicPr>
+        <p:blipFill>
+          <a:blip r:embed="rId9">
+            <a:lum bright="70000" contrast="-70000"/>
+            <a:extLst>
+              <a:ext uri="{28A0092B-C50C-407E-A947-70E740481C1C}">
+                <a14:useLocalDpi xmlns:a14="http://schemas.microsoft.com/office/drawing/2010/main" val="0"/>
+              </a:ext>
+            </a:extLst>
+          </a:blip>
+          <a:stretch>
+            <a:fillRect/>
+          </a:stretch>
+        </p:blipFill>
+        <p:spPr>
+          <a:xfrm flipH="1">
+            <a:off x="6004963" y="4221088"/>
+            <a:ext cx="2290883" cy="1544775"/>
+          </a:xfrm>
+          <a:prstGeom prst="rect">
+            <a:avLst/>
+          </a:prstGeom>
+        </p:spPr>
+      </p:pic>
+    </p:spTree>
+    <p:extLst>
+      <p:ext uri="{BB962C8B-B14F-4D97-AF65-F5344CB8AC3E}">
+        <p14:creationId xmlns:p14="http://schemas.microsoft.com/office/powerpoint/2010/main" val="3676248204"/>
+      </p:ext>
+    </p:extLst>
+  </p:cSld>
+  <p:clrMapOvr>
+    <a:masterClrMapping/>
+  </p:clrMapOvr>
+</p:sld>
+</file>
+
+<file path=ppt/slides/slide8.xml><?xml version="1.0" encoding="utf-8"?>
+<p:sld xmlns:a="http://schemas.openxmlformats.org/drawingml/2006/main" xmlns:r="http://schemas.openxmlformats.org/officeDocument/2006/relationships" xmlns:p="http://schemas.openxmlformats.org/presentationml/2006/main">
+  <p:cSld>
+    <p:spTree>
+      <p:nvGrpSpPr>
+        <p:cNvPr id="1" name=""/>
+        <p:cNvGrpSpPr/>
+        <p:nvPr/>
+      </p:nvGrpSpPr>
+      <p:grpSpPr>
+        <a:xfrm>
+          <a:off x="0" y="0"/>
+          <a:ext cx="0" cy="0"/>
+          <a:chOff x="0" y="0"/>
+          <a:chExt cx="0" cy="0"/>
+        </a:xfrm>
+      </p:grpSpPr>
+      <p:pic>
+        <p:nvPicPr>
+          <p:cNvPr id="2" name="Picture 2" descr="D:\GitHub\Design\안드로이드\0.배경\basic.jpg">
+            <a:extLst>
+              <a:ext uri="{FF2B5EF4-FFF2-40B4-BE49-F238E27FC236}">
+                <a16:creationId xmlns:a16="http://schemas.microsoft.com/office/drawing/2014/main" id="{E8D0229F-8D80-0035-69B0-A9DB29F4142B}"/>
+              </a:ext>
+            </a:extLst>
+          </p:cNvPr>
+          <p:cNvPicPr>
+            <a:picLocks noChangeAspect="1" noChangeArrowheads="1"/>
+          </p:cNvPicPr>
+          <p:nvPr/>
+        </p:nvPicPr>
+        <p:blipFill>
+          <a:blip r:embed="rId2" cstate="print">
+            <a:extLst>
+              <a:ext uri="{28A0092B-C50C-407E-A947-70E740481C1C}">
+                <a14:useLocalDpi xmlns:a14="http://schemas.microsoft.com/office/drawing/2010/main" val="0"/>
+              </a:ext>
+            </a:extLst>
+          </a:blip>
+          <a:srcRect/>
+          <a:stretch>
+            <a:fillRect/>
+          </a:stretch>
+        </p:blipFill>
+        <p:spPr bwMode="auto">
+          <a:xfrm flipH="1">
+            <a:off x="451378" y="0"/>
+            <a:ext cx="4633363" cy="6950045"/>
+          </a:xfrm>
+          <a:prstGeom prst="rect">
+            <a:avLst/>
+          </a:prstGeom>
+          <a:noFill/>
+          <a:extLst>
+            <a:ext uri="{909E8E84-426E-40DD-AFC4-6F175D3DCCD1}">
+              <a14:hiddenFill xmlns:a14="http://schemas.microsoft.com/office/drawing/2010/main">
+                <a:solidFill>
+                  <a:srgbClr val="FFFFFF"/>
+                </a:solidFill>
+              </a14:hiddenFill>
+            </a:ext>
+          </a:extLst>
+        </p:spPr>
+      </p:pic>
+    </p:spTree>
+    <p:extLst>
+      <p:ext uri="{BB962C8B-B14F-4D97-AF65-F5344CB8AC3E}">
+        <p14:creationId xmlns:p14="http://schemas.microsoft.com/office/powerpoint/2010/main" val="2748158441"/>
       </p:ext>
     </p:extLst>
   </p:cSld>

--- a/제작/뷰 제작.pptx
+++ b/제작/뷰 제작.pptx
@@ -113,7 +113,7 @@
   </p:defaultTextStyle>
   <p:extLst>
     <p:ext uri="{EFAFB233-063F-42B5-8137-9DF3F51BA10A}">
-      <p15:sldGuideLst xmlns:p15="http://schemas.microsoft.com/office/powerpoint/2012/main">
+      <p15:sldGuideLst xmlns:p15="http://schemas.microsoft.com/office/powerpoint/2012/main" xmlns="">
         <p15:guide id="1" orient="horz" pos="2160">
           <p15:clr>
             <a:srgbClr val="A4A3A4"/>
@@ -309,7 +309,7 @@
           <a:p>
             <a:fld id="{5E89329E-BE11-4AEF-90E2-A0329AC9D4C4}" type="datetimeFigureOut">
               <a:rPr lang="ko-KR" altLang="en-US" smtClean="0"/>
-              <a:t>2023-04-02</a:t>
+              <a:t>2023-04-03</a:t>
             </a:fld>
             <a:endParaRPr lang="ko-KR" altLang="en-US"/>
           </a:p>
@@ -477,7 +477,7 @@
           <a:p>
             <a:fld id="{5E89329E-BE11-4AEF-90E2-A0329AC9D4C4}" type="datetimeFigureOut">
               <a:rPr lang="ko-KR" altLang="en-US" smtClean="0"/>
-              <a:t>2023-04-02</a:t>
+              <a:t>2023-04-03</a:t>
             </a:fld>
             <a:endParaRPr lang="ko-KR" altLang="en-US"/>
           </a:p>
@@ -655,7 +655,7 @@
           <a:p>
             <a:fld id="{5E89329E-BE11-4AEF-90E2-A0329AC9D4C4}" type="datetimeFigureOut">
               <a:rPr lang="ko-KR" altLang="en-US" smtClean="0"/>
-              <a:t>2023-04-02</a:t>
+              <a:t>2023-04-03</a:t>
             </a:fld>
             <a:endParaRPr lang="ko-KR" altLang="en-US"/>
           </a:p>
@@ -823,7 +823,7 @@
           <a:p>
             <a:fld id="{5E89329E-BE11-4AEF-90E2-A0329AC9D4C4}" type="datetimeFigureOut">
               <a:rPr lang="ko-KR" altLang="en-US" smtClean="0"/>
-              <a:t>2023-04-02</a:t>
+              <a:t>2023-04-03</a:t>
             </a:fld>
             <a:endParaRPr lang="ko-KR" altLang="en-US"/>
           </a:p>
@@ -1068,7 +1068,7 @@
           <a:p>
             <a:fld id="{5E89329E-BE11-4AEF-90E2-A0329AC9D4C4}" type="datetimeFigureOut">
               <a:rPr lang="ko-KR" altLang="en-US" smtClean="0"/>
-              <a:t>2023-04-02</a:t>
+              <a:t>2023-04-03</a:t>
             </a:fld>
             <a:endParaRPr lang="ko-KR" altLang="en-US"/>
           </a:p>
@@ -1353,7 +1353,7 @@
           <a:p>
             <a:fld id="{5E89329E-BE11-4AEF-90E2-A0329AC9D4C4}" type="datetimeFigureOut">
               <a:rPr lang="ko-KR" altLang="en-US" smtClean="0"/>
-              <a:t>2023-04-02</a:t>
+              <a:t>2023-04-03</a:t>
             </a:fld>
             <a:endParaRPr lang="ko-KR" altLang="en-US"/>
           </a:p>
@@ -1772,7 +1772,7 @@
           <a:p>
             <a:fld id="{5E89329E-BE11-4AEF-90E2-A0329AC9D4C4}" type="datetimeFigureOut">
               <a:rPr lang="ko-KR" altLang="en-US" smtClean="0"/>
-              <a:t>2023-04-02</a:t>
+              <a:t>2023-04-03</a:t>
             </a:fld>
             <a:endParaRPr lang="ko-KR" altLang="en-US"/>
           </a:p>
@@ -1889,7 +1889,7 @@
           <a:p>
             <a:fld id="{5E89329E-BE11-4AEF-90E2-A0329AC9D4C4}" type="datetimeFigureOut">
               <a:rPr lang="ko-KR" altLang="en-US" smtClean="0"/>
-              <a:t>2023-04-02</a:t>
+              <a:t>2023-04-03</a:t>
             </a:fld>
             <a:endParaRPr lang="ko-KR" altLang="en-US"/>
           </a:p>
@@ -1984,7 +1984,7 @@
           <a:p>
             <a:fld id="{5E89329E-BE11-4AEF-90E2-A0329AC9D4C4}" type="datetimeFigureOut">
               <a:rPr lang="ko-KR" altLang="en-US" smtClean="0"/>
-              <a:t>2023-04-02</a:t>
+              <a:t>2023-04-03</a:t>
             </a:fld>
             <a:endParaRPr lang="ko-KR" altLang="en-US"/>
           </a:p>
@@ -2259,7 +2259,7 @@
           <a:p>
             <a:fld id="{5E89329E-BE11-4AEF-90E2-A0329AC9D4C4}" type="datetimeFigureOut">
               <a:rPr lang="ko-KR" altLang="en-US" smtClean="0"/>
-              <a:t>2023-04-02</a:t>
+              <a:t>2023-04-03</a:t>
             </a:fld>
             <a:endParaRPr lang="ko-KR" altLang="en-US"/>
           </a:p>
@@ -2511,7 +2511,7 @@
           <a:p>
             <a:fld id="{5E89329E-BE11-4AEF-90E2-A0329AC9D4C4}" type="datetimeFigureOut">
               <a:rPr lang="ko-KR" altLang="en-US" smtClean="0"/>
-              <a:t>2023-04-02</a:t>
+              <a:t>2023-04-03</a:t>
             </a:fld>
             <a:endParaRPr lang="ko-KR" altLang="en-US"/>
           </a:p>
@@ -2722,7 +2722,7 @@
           <a:p>
             <a:fld id="{5E89329E-BE11-4AEF-90E2-A0329AC9D4C4}" type="datetimeFigureOut">
               <a:rPr lang="ko-KR" altLang="en-US" smtClean="0"/>
-              <a:t>2023-04-02</a:t>
+              <a:t>2023-04-03</a:t>
             </a:fld>
             <a:endParaRPr lang="ko-KR" altLang="en-US"/>
           </a:p>
@@ -3560,7 +3560,7 @@
           <p:cNvPr id="7" name="그림 6" descr="텍스트, 건물, 창문이(가) 표시된 사진&#10;&#10;자동 생성된 설명">
             <a:extLst>
               <a:ext uri="{FF2B5EF4-FFF2-40B4-BE49-F238E27FC236}">
-                <a16:creationId xmlns:a16="http://schemas.microsoft.com/office/drawing/2014/main" id="{86E1162C-2093-8F97-6F47-8173F8243A54}"/>
+                <a16:creationId xmlns:a16="http://schemas.microsoft.com/office/drawing/2014/main" xmlns="" id="{86E1162C-2093-8F97-6F47-8173F8243A54}"/>
               </a:ext>
             </a:extLst>
           </p:cNvPr>
@@ -3598,7 +3598,7 @@
           <p:cNvPr id="10" name="그림 9" descr="텍스트, 건물, 창문이(가) 표시된 사진&#10;&#10;자동 생성된 설명">
             <a:extLst>
               <a:ext uri="{FF2B5EF4-FFF2-40B4-BE49-F238E27FC236}">
-                <a16:creationId xmlns:a16="http://schemas.microsoft.com/office/drawing/2014/main" id="{1C46315B-A339-BB5F-E0EF-B943C5B6A94F}"/>
+                <a16:creationId xmlns:a16="http://schemas.microsoft.com/office/drawing/2014/main" xmlns="" id="{1C46315B-A339-BB5F-E0EF-B943C5B6A94F}"/>
               </a:ext>
             </a:extLst>
           </p:cNvPr>
@@ -3636,7 +3636,7 @@
           <p:cNvPr id="5" name="물결 4">
             <a:extLst>
               <a:ext uri="{FF2B5EF4-FFF2-40B4-BE49-F238E27FC236}">
-                <a16:creationId xmlns:a16="http://schemas.microsoft.com/office/drawing/2014/main" id="{CE5E444F-2AB7-9894-21EB-F7305F0AB727}"/>
+                <a16:creationId xmlns:a16="http://schemas.microsoft.com/office/drawing/2014/main" xmlns="" id="{CE5E444F-2AB7-9894-21EB-F7305F0AB727}"/>
               </a:ext>
             </a:extLst>
           </p:cNvPr>
@@ -3691,7 +3691,7 @@
           <p:cNvPr id="11" name="물결 10">
             <a:extLst>
               <a:ext uri="{FF2B5EF4-FFF2-40B4-BE49-F238E27FC236}">
-                <a16:creationId xmlns:a16="http://schemas.microsoft.com/office/drawing/2014/main" id="{7C84DF44-388A-EB16-BBDD-C73FEF13F6F9}"/>
+                <a16:creationId xmlns:a16="http://schemas.microsoft.com/office/drawing/2014/main" xmlns="" id="{7C84DF44-388A-EB16-BBDD-C73FEF13F6F9}"/>
               </a:ext>
             </a:extLst>
           </p:cNvPr>
@@ -3786,7 +3786,7 @@
           <p:cNvPr id="10" name="그룹 9">
             <a:extLst>
               <a:ext uri="{FF2B5EF4-FFF2-40B4-BE49-F238E27FC236}">
-                <a16:creationId xmlns:a16="http://schemas.microsoft.com/office/drawing/2014/main" id="{769E83BF-D7D1-7930-001C-AD9D0D09DA94}"/>
+                <a16:creationId xmlns:a16="http://schemas.microsoft.com/office/drawing/2014/main" xmlns="" id="{769E83BF-D7D1-7930-001C-AD9D0D09DA94}"/>
               </a:ext>
             </a:extLst>
           </p:cNvPr>
@@ -3806,7 +3806,7 @@
             <p:cNvPr id="2" name="그림 1" descr="텍스트, 건물, 창문이(가) 표시된 사진&#10;&#10;자동 생성된 설명">
               <a:extLst>
                 <a:ext uri="{FF2B5EF4-FFF2-40B4-BE49-F238E27FC236}">
-                  <a16:creationId xmlns:a16="http://schemas.microsoft.com/office/drawing/2014/main" id="{BEBE6E74-E792-DD7E-60EF-3D0ECD2388BE}"/>
+                  <a16:creationId xmlns:a16="http://schemas.microsoft.com/office/drawing/2014/main" xmlns="" id="{BEBE6E74-E792-DD7E-60EF-3D0ECD2388BE}"/>
                 </a:ext>
               </a:extLst>
             </p:cNvPr>
@@ -3844,7 +3844,7 @@
             <p:cNvPr id="3" name="그림 2" descr="텍스트, 건물, 창문이(가) 표시된 사진&#10;&#10;자동 생성된 설명">
               <a:extLst>
                 <a:ext uri="{FF2B5EF4-FFF2-40B4-BE49-F238E27FC236}">
-                  <a16:creationId xmlns:a16="http://schemas.microsoft.com/office/drawing/2014/main" id="{5B12FC7A-5D61-7CCA-3AAA-A41F50A73BE2}"/>
+                  <a16:creationId xmlns:a16="http://schemas.microsoft.com/office/drawing/2014/main" xmlns="" id="{5B12FC7A-5D61-7CCA-3AAA-A41F50A73BE2}"/>
                 </a:ext>
               </a:extLst>
             </p:cNvPr>
@@ -3882,7 +3882,7 @@
             <p:cNvPr id="5" name="그룹 4">
               <a:extLst>
                 <a:ext uri="{FF2B5EF4-FFF2-40B4-BE49-F238E27FC236}">
-                  <a16:creationId xmlns:a16="http://schemas.microsoft.com/office/drawing/2014/main" id="{8B2A431B-5528-3FDB-8FC7-4337CC8428AE}"/>
+                  <a16:creationId xmlns:a16="http://schemas.microsoft.com/office/drawing/2014/main" xmlns="" id="{8B2A431B-5528-3FDB-8FC7-4337CC8428AE}"/>
                 </a:ext>
               </a:extLst>
             </p:cNvPr>
@@ -3902,7 +3902,7 @@
               <p:cNvPr id="7" name="물결 6">
                 <a:extLst>
                   <a:ext uri="{FF2B5EF4-FFF2-40B4-BE49-F238E27FC236}">
-                    <a16:creationId xmlns:a16="http://schemas.microsoft.com/office/drawing/2014/main" id="{34A11EBD-AC6E-5D7E-212F-D4B5DF87F2A5}"/>
+                    <a16:creationId xmlns:a16="http://schemas.microsoft.com/office/drawing/2014/main" xmlns="" id="{34A11EBD-AC6E-5D7E-212F-D4B5DF87F2A5}"/>
                   </a:ext>
                 </a:extLst>
               </p:cNvPr>
@@ -3957,7 +3957,7 @@
               <p:cNvPr id="8" name="물결 7">
                 <a:extLst>
                   <a:ext uri="{FF2B5EF4-FFF2-40B4-BE49-F238E27FC236}">
-                    <a16:creationId xmlns:a16="http://schemas.microsoft.com/office/drawing/2014/main" id="{69DF3439-E677-D164-5D62-AD1AB5CB4FCE}"/>
+                    <a16:creationId xmlns:a16="http://schemas.microsoft.com/office/drawing/2014/main" xmlns="" id="{69DF3439-E677-D164-5D62-AD1AB5CB4FCE}"/>
                   </a:ext>
                 </a:extLst>
               </p:cNvPr>
@@ -4012,7 +4012,7 @@
               <p:cNvPr id="9" name="막힌 원호 8">
                 <a:extLst>
                   <a:ext uri="{FF2B5EF4-FFF2-40B4-BE49-F238E27FC236}">
-                    <a16:creationId xmlns:a16="http://schemas.microsoft.com/office/drawing/2014/main" id="{268BB206-7406-FD38-C238-8B88EC5E9033}"/>
+                    <a16:creationId xmlns:a16="http://schemas.microsoft.com/office/drawing/2014/main" xmlns="" id="{268BB206-7406-FD38-C238-8B88EC5E9033}"/>
                   </a:ext>
                 </a:extLst>
               </p:cNvPr>
@@ -4104,7 +4104,7 @@
           <p:cNvPr id="2" name="Picture 2" descr="D:\GitHub\Design\안드로이드\0.배경\basic.jpg">
             <a:extLst>
               <a:ext uri="{FF2B5EF4-FFF2-40B4-BE49-F238E27FC236}">
-                <a16:creationId xmlns:a16="http://schemas.microsoft.com/office/drawing/2014/main" id="{E8D0229F-8D80-0035-69B0-A9DB29F4142B}"/>
+                <a16:creationId xmlns:a16="http://schemas.microsoft.com/office/drawing/2014/main" xmlns="" id="{E8D0229F-8D80-0035-69B0-A9DB29F4142B}"/>
               </a:ext>
             </a:extLst>
           </p:cNvPr>
@@ -4151,7 +4151,7 @@
           <p:cNvPr id="5" name="그림 4" descr="텍스트, 건물, 창문이(가) 표시된 사진&#10;&#10;자동 생성된 설명">
             <a:extLst>
               <a:ext uri="{FF2B5EF4-FFF2-40B4-BE49-F238E27FC236}">
-                <a16:creationId xmlns:a16="http://schemas.microsoft.com/office/drawing/2014/main" id="{761BC16D-2E02-D39E-5544-5B888F659902}"/>
+                <a16:creationId xmlns:a16="http://schemas.microsoft.com/office/drawing/2014/main" xmlns="" id="{761BC16D-2E02-D39E-5544-5B888F659902}"/>
               </a:ext>
             </a:extLst>
           </p:cNvPr>
@@ -4190,7 +4190,7 @@
           <p:cNvPr id="6" name="그림 5" descr="텍스트, 건물, 창문이(가) 표시된 사진&#10;&#10;자동 생성된 설명">
             <a:extLst>
               <a:ext uri="{FF2B5EF4-FFF2-40B4-BE49-F238E27FC236}">
-                <a16:creationId xmlns:a16="http://schemas.microsoft.com/office/drawing/2014/main" id="{C19CF37E-B107-E7FE-397C-A4DFD01B93BC}"/>
+                <a16:creationId xmlns:a16="http://schemas.microsoft.com/office/drawing/2014/main" xmlns="" id="{C19CF37E-B107-E7FE-397C-A4DFD01B93BC}"/>
               </a:ext>
             </a:extLst>
           </p:cNvPr>
@@ -4229,7 +4229,7 @@
           <p:cNvPr id="16" name="그룹 15">
             <a:extLst>
               <a:ext uri="{FF2B5EF4-FFF2-40B4-BE49-F238E27FC236}">
-                <a16:creationId xmlns:a16="http://schemas.microsoft.com/office/drawing/2014/main" id="{2C899210-88A7-9074-85D3-418C76FBE9B1}"/>
+                <a16:creationId xmlns:a16="http://schemas.microsoft.com/office/drawing/2014/main" xmlns="" id="{2C899210-88A7-9074-85D3-418C76FBE9B1}"/>
               </a:ext>
             </a:extLst>
           </p:cNvPr>
@@ -4249,7 +4249,7 @@
             <p:cNvPr id="8" name="직사각형 7">
               <a:extLst>
                 <a:ext uri="{FF2B5EF4-FFF2-40B4-BE49-F238E27FC236}">
-                  <a16:creationId xmlns:a16="http://schemas.microsoft.com/office/drawing/2014/main" id="{6E7AF48A-1EBE-55CC-3EEE-953B0D411FAF}"/>
+                  <a16:creationId xmlns:a16="http://schemas.microsoft.com/office/drawing/2014/main" xmlns="" id="{6E7AF48A-1EBE-55CC-3EEE-953B0D411FAF}"/>
                 </a:ext>
               </a:extLst>
             </p:cNvPr>
@@ -4303,7 +4303,7 @@
             <p:cNvPr id="7" name="그림 6">
               <a:extLst>
                 <a:ext uri="{FF2B5EF4-FFF2-40B4-BE49-F238E27FC236}">
-                  <a16:creationId xmlns:a16="http://schemas.microsoft.com/office/drawing/2014/main" id="{A5F75D51-0E9C-69AE-1923-BC95A4310FC1}"/>
+                  <a16:creationId xmlns:a16="http://schemas.microsoft.com/office/drawing/2014/main" xmlns="" id="{A5F75D51-0E9C-69AE-1923-BC95A4310FC1}"/>
                 </a:ext>
               </a:extLst>
             </p:cNvPr>
@@ -4355,7 +4355,7 @@
           <p:cNvPr id="14" name="그룹 13">
             <a:extLst>
               <a:ext uri="{FF2B5EF4-FFF2-40B4-BE49-F238E27FC236}">
-                <a16:creationId xmlns:a16="http://schemas.microsoft.com/office/drawing/2014/main" id="{F6853301-B01A-FD23-BB9D-206469E7177C}"/>
+                <a16:creationId xmlns:a16="http://schemas.microsoft.com/office/drawing/2014/main" xmlns="" id="{F6853301-B01A-FD23-BB9D-206469E7177C}"/>
               </a:ext>
             </a:extLst>
           </p:cNvPr>
@@ -4375,7 +4375,7 @@
             <p:cNvPr id="11" name="직사각형 10">
               <a:extLst>
                 <a:ext uri="{FF2B5EF4-FFF2-40B4-BE49-F238E27FC236}">
-                  <a16:creationId xmlns:a16="http://schemas.microsoft.com/office/drawing/2014/main" id="{5EF63334-1494-0124-5488-D344DF6C12C6}"/>
+                  <a16:creationId xmlns:a16="http://schemas.microsoft.com/office/drawing/2014/main" xmlns="" id="{5EF63334-1494-0124-5488-D344DF6C12C6}"/>
                 </a:ext>
               </a:extLst>
             </p:cNvPr>
@@ -4429,7 +4429,7 @@
             <p:cNvPr id="12" name="그림 11">
               <a:extLst>
                 <a:ext uri="{FF2B5EF4-FFF2-40B4-BE49-F238E27FC236}">
-                  <a16:creationId xmlns:a16="http://schemas.microsoft.com/office/drawing/2014/main" id="{E5E4DA90-58E8-6AFC-99A1-C041CEA9EE4B}"/>
+                  <a16:creationId xmlns:a16="http://schemas.microsoft.com/office/drawing/2014/main" xmlns="" id="{E5E4DA90-58E8-6AFC-99A1-C041CEA9EE4B}"/>
                 </a:ext>
               </a:extLst>
             </p:cNvPr>
@@ -4511,7 +4511,7 @@
           <p:cNvPr id="2" name="Picture 2" descr="D:\GitHub\Design\안드로이드\0.배경\basic.jpg">
             <a:extLst>
               <a:ext uri="{FF2B5EF4-FFF2-40B4-BE49-F238E27FC236}">
-                <a16:creationId xmlns:a16="http://schemas.microsoft.com/office/drawing/2014/main" id="{E8D0229F-8D80-0035-69B0-A9DB29F4142B}"/>
+                <a16:creationId xmlns:a16="http://schemas.microsoft.com/office/drawing/2014/main" xmlns="" id="{E8D0229F-8D80-0035-69B0-A9DB29F4142B}"/>
               </a:ext>
             </a:extLst>
           </p:cNvPr>
@@ -4558,7 +4558,7 @@
           <p:cNvPr id="4" name="그림 3">
             <a:extLst>
               <a:ext uri="{FF2B5EF4-FFF2-40B4-BE49-F238E27FC236}">
-                <a16:creationId xmlns:a16="http://schemas.microsoft.com/office/drawing/2014/main" id="{4639861D-A39A-58AF-D2F7-8B9EDC50C1AE}"/>
+                <a16:creationId xmlns:a16="http://schemas.microsoft.com/office/drawing/2014/main" xmlns="" id="{4639861D-A39A-58AF-D2F7-8B9EDC50C1AE}"/>
               </a:ext>
             </a:extLst>
           </p:cNvPr>
@@ -4603,7 +4603,7 @@
           <p:cNvPr id="10" name="그림 9">
             <a:extLst>
               <a:ext uri="{FF2B5EF4-FFF2-40B4-BE49-F238E27FC236}">
-                <a16:creationId xmlns:a16="http://schemas.microsoft.com/office/drawing/2014/main" id="{4E68DA02-8281-EBA5-672F-F4BF743CB105}"/>
+                <a16:creationId xmlns:a16="http://schemas.microsoft.com/office/drawing/2014/main" xmlns="" id="{4E68DA02-8281-EBA5-672F-F4BF743CB105}"/>
               </a:ext>
             </a:extLst>
           </p:cNvPr>
@@ -4648,7 +4648,7 @@
           <p:cNvPr id="15" name="그림 14">
             <a:extLst>
               <a:ext uri="{FF2B5EF4-FFF2-40B4-BE49-F238E27FC236}">
-                <a16:creationId xmlns:a16="http://schemas.microsoft.com/office/drawing/2014/main" id="{673BF94C-72BF-895C-846D-94D53041365E}"/>
+                <a16:creationId xmlns:a16="http://schemas.microsoft.com/office/drawing/2014/main" xmlns="" id="{673BF94C-72BF-895C-846D-94D53041365E}"/>
               </a:ext>
             </a:extLst>
           </p:cNvPr>
@@ -4684,7 +4684,7 @@
           <p:cNvPr id="18" name="그림 17">
             <a:extLst>
               <a:ext uri="{FF2B5EF4-FFF2-40B4-BE49-F238E27FC236}">
-                <a16:creationId xmlns:a16="http://schemas.microsoft.com/office/drawing/2014/main" id="{8E46E31A-EA19-74B3-8BA5-38B73F87C206}"/>
+                <a16:creationId xmlns:a16="http://schemas.microsoft.com/office/drawing/2014/main" xmlns="" id="{8E46E31A-EA19-74B3-8BA5-38B73F87C206}"/>
               </a:ext>
             </a:extLst>
           </p:cNvPr>
@@ -4720,7 +4720,7 @@
           <p:cNvPr id="20" name="그림 19">
             <a:extLst>
               <a:ext uri="{FF2B5EF4-FFF2-40B4-BE49-F238E27FC236}">
-                <a16:creationId xmlns:a16="http://schemas.microsoft.com/office/drawing/2014/main" id="{80E1D888-ED97-97FE-0688-A408E2102E13}"/>
+                <a16:creationId xmlns:a16="http://schemas.microsoft.com/office/drawing/2014/main" xmlns="" id="{80E1D888-ED97-97FE-0688-A408E2102E13}"/>
               </a:ext>
             </a:extLst>
           </p:cNvPr>
@@ -4757,7 +4757,7 @@
           <p:cNvPr id="21" name="그림 20">
             <a:extLst>
               <a:ext uri="{FF2B5EF4-FFF2-40B4-BE49-F238E27FC236}">
-                <a16:creationId xmlns:a16="http://schemas.microsoft.com/office/drawing/2014/main" id="{358EDFCC-C146-22B0-E832-50527EAFB7C9}"/>
+                <a16:creationId xmlns:a16="http://schemas.microsoft.com/office/drawing/2014/main" xmlns="" id="{358EDFCC-C146-22B0-E832-50527EAFB7C9}"/>
               </a:ext>
             </a:extLst>
           </p:cNvPr>
@@ -4824,7 +4824,7 @@
           <p:cNvPr id="2" name="Picture 2" descr="D:\GitHub\Design\안드로이드\0.배경\basic.jpg">
             <a:extLst>
               <a:ext uri="{FF2B5EF4-FFF2-40B4-BE49-F238E27FC236}">
-                <a16:creationId xmlns:a16="http://schemas.microsoft.com/office/drawing/2014/main" id="{E8D0229F-8D80-0035-69B0-A9DB29F4142B}"/>
+                <a16:creationId xmlns:a16="http://schemas.microsoft.com/office/drawing/2014/main" xmlns="" id="{E8D0229F-8D80-0035-69B0-A9DB29F4142B}"/>
               </a:ext>
             </a:extLst>
           </p:cNvPr>
@@ -4862,6 +4862,281 @@
                   <a:srgbClr val="FFFFFF"/>
                 </a:solidFill>
               </a14:hiddenFill>
+            </a:ext>
+          </a:extLst>
+        </p:spPr>
+      </p:pic>
+      <p:pic>
+        <p:nvPicPr>
+          <p:cNvPr id="1026" name="Picture 2"/>
+          <p:cNvPicPr>
+            <a:picLocks noChangeAspect="1" noChangeArrowheads="1"/>
+          </p:cNvPicPr>
+          <p:nvPr/>
+        </p:nvPicPr>
+        <p:blipFill rotWithShape="1">
+          <a:blip r:embed="rId3" cstate="print">
+            <a:extLst>
+              <a:ext uri="{28A0092B-C50C-407E-A947-70E740481C1C}">
+                <a14:useLocalDpi xmlns:a14="http://schemas.microsoft.com/office/drawing/2010/main" val="0"/>
+              </a:ext>
+            </a:extLst>
+          </a:blip>
+          <a:srcRect t="30862" b="22020"/>
+          <a:stretch/>
+        </p:blipFill>
+        <p:spPr bwMode="auto">
+          <a:xfrm>
+            <a:off x="2987824" y="260648"/>
+            <a:ext cx="2525410" cy="2495552"/>
+          </a:xfrm>
+          <a:prstGeom prst="rect">
+            <a:avLst/>
+          </a:prstGeom>
+          <a:noFill/>
+          <a:ln>
+            <a:noFill/>
+          </a:ln>
+          <a:extLst>
+            <a:ext uri="{909E8E84-426E-40DD-AFC4-6F175D3DCCD1}">
+              <a14:hiddenFill xmlns:a14="http://schemas.microsoft.com/office/drawing/2010/main">
+                <a:solidFill>
+                  <a:schemeClr val="accent1"/>
+                </a:solidFill>
+              </a14:hiddenFill>
+            </a:ext>
+            <a:ext uri="{91240B29-F687-4F45-9708-019B960494DF}">
+              <a14:hiddenLine xmlns:a14="http://schemas.microsoft.com/office/drawing/2010/main" w="9525">
+                <a:solidFill>
+                  <a:schemeClr val="tx1"/>
+                </a:solidFill>
+                <a:miter lim="800000"/>
+                <a:headEnd/>
+                <a:tailEnd/>
+              </a14:hiddenLine>
+            </a:ext>
+          </a:extLst>
+        </p:spPr>
+      </p:pic>
+      <p:pic>
+        <p:nvPicPr>
+          <p:cNvPr id="1027" name="Picture 3"/>
+          <p:cNvPicPr>
+            <a:picLocks noChangeAspect="1" noChangeArrowheads="1"/>
+          </p:cNvPicPr>
+          <p:nvPr/>
+        </p:nvPicPr>
+        <p:blipFill rotWithShape="1">
+          <a:blip r:embed="rId4" cstate="print">
+            <a:extLst>
+              <a:ext uri="{28A0092B-C50C-407E-A947-70E740481C1C}">
+                <a14:useLocalDpi xmlns:a14="http://schemas.microsoft.com/office/drawing/2010/main" val="0"/>
+              </a:ext>
+            </a:extLst>
+          </a:blip>
+          <a:srcRect t="36803" b="17276"/>
+          <a:stretch/>
+        </p:blipFill>
+        <p:spPr bwMode="auto">
+          <a:xfrm>
+            <a:off x="360933" y="260648"/>
+            <a:ext cx="2858803" cy="2590802"/>
+          </a:xfrm>
+          <a:prstGeom prst="rect">
+            <a:avLst/>
+          </a:prstGeom>
+          <a:noFill/>
+          <a:ln>
+            <a:noFill/>
+          </a:ln>
+          <a:extLst>
+            <a:ext uri="{909E8E84-426E-40DD-AFC4-6F175D3DCCD1}">
+              <a14:hiddenFill xmlns:a14="http://schemas.microsoft.com/office/drawing/2010/main">
+                <a:solidFill>
+                  <a:schemeClr val="accent1"/>
+                </a:solidFill>
+              </a14:hiddenFill>
+            </a:ext>
+            <a:ext uri="{91240B29-F687-4F45-9708-019B960494DF}">
+              <a14:hiddenLine xmlns:a14="http://schemas.microsoft.com/office/drawing/2010/main" w="9525">
+                <a:solidFill>
+                  <a:schemeClr val="tx1"/>
+                </a:solidFill>
+                <a:miter lim="800000"/>
+                <a:headEnd/>
+                <a:tailEnd/>
+              </a14:hiddenLine>
+            </a:ext>
+          </a:extLst>
+        </p:spPr>
+      </p:pic>
+      <p:grpSp>
+        <p:nvGrpSpPr>
+          <p:cNvPr id="3" name="그룹 2"/>
+          <p:cNvGrpSpPr/>
+          <p:nvPr/>
+        </p:nvGrpSpPr>
+        <p:grpSpPr>
+          <a:xfrm>
+            <a:off x="2047457" y="1196943"/>
+            <a:ext cx="6081786" cy="2266950"/>
+            <a:chOff x="670549" y="4146990"/>
+            <a:chExt cx="6081786" cy="2266950"/>
+          </a:xfrm>
+        </p:grpSpPr>
+        <p:pic>
+          <p:nvPicPr>
+            <p:cNvPr id="1028" name="Picture 4"/>
+            <p:cNvPicPr>
+              <a:picLocks noChangeAspect="1" noChangeArrowheads="1"/>
+            </p:cNvPicPr>
+            <p:nvPr/>
+          </p:nvPicPr>
+          <p:blipFill rotWithShape="1">
+            <a:blip r:embed="rId5" cstate="print">
+              <a:extLst>
+                <a:ext uri="{28A0092B-C50C-407E-A947-70E740481C1C}">
+                  <a14:useLocalDpi xmlns:a14="http://schemas.microsoft.com/office/drawing/2010/main" val="0"/>
+                </a:ext>
+              </a:extLst>
+            </a:blip>
+            <a:srcRect t="8370" b="53810"/>
+            <a:stretch/>
+          </p:blipFill>
+          <p:spPr bwMode="auto">
+            <a:xfrm>
+              <a:off x="3715051" y="4146990"/>
+              <a:ext cx="3037284" cy="2266950"/>
+            </a:xfrm>
+            <a:prstGeom prst="rect">
+              <a:avLst/>
+            </a:prstGeom>
+            <a:noFill/>
+            <a:ln>
+              <a:noFill/>
+            </a:ln>
+            <a:extLst>
+              <a:ext uri="{909E8E84-426E-40DD-AFC4-6F175D3DCCD1}">
+                <a14:hiddenFill xmlns:a14="http://schemas.microsoft.com/office/drawing/2010/main">
+                  <a:solidFill>
+                    <a:schemeClr val="accent1"/>
+                  </a:solidFill>
+                </a14:hiddenFill>
+              </a:ext>
+              <a:ext uri="{91240B29-F687-4F45-9708-019B960494DF}">
+                <a14:hiddenLine xmlns:a14="http://schemas.microsoft.com/office/drawing/2010/main" w="9525">
+                  <a:solidFill>
+                    <a:schemeClr val="tx1"/>
+                  </a:solidFill>
+                  <a:miter lim="800000"/>
+                  <a:headEnd/>
+                  <a:tailEnd/>
+                </a14:hiddenLine>
+              </a:ext>
+            </a:extLst>
+          </p:spPr>
+        </p:pic>
+        <p:pic>
+          <p:nvPicPr>
+            <p:cNvPr id="6" name="Picture 4"/>
+            <p:cNvPicPr>
+              <a:picLocks noChangeAspect="1" noChangeArrowheads="1"/>
+            </p:cNvPicPr>
+            <p:nvPr/>
+          </p:nvPicPr>
+          <p:blipFill rotWithShape="1">
+            <a:blip r:embed="rId5" cstate="print">
+              <a:extLst>
+                <a:ext uri="{28A0092B-C50C-407E-A947-70E740481C1C}">
+                  <a14:useLocalDpi xmlns:a14="http://schemas.microsoft.com/office/drawing/2010/main" val="0"/>
+                </a:ext>
+              </a:extLst>
+            </a:blip>
+            <a:srcRect t="49941" b="12241"/>
+            <a:stretch/>
+          </p:blipFill>
+          <p:spPr bwMode="auto">
+            <a:xfrm>
+              <a:off x="670549" y="4146991"/>
+              <a:ext cx="3037284" cy="2266949"/>
+            </a:xfrm>
+            <a:prstGeom prst="rect">
+              <a:avLst/>
+            </a:prstGeom>
+            <a:noFill/>
+            <a:ln>
+              <a:noFill/>
+            </a:ln>
+            <a:extLst>
+              <a:ext uri="{909E8E84-426E-40DD-AFC4-6F175D3DCCD1}">
+                <a14:hiddenFill xmlns:a14="http://schemas.microsoft.com/office/drawing/2010/main">
+                  <a:solidFill>
+                    <a:schemeClr val="accent1"/>
+                  </a:solidFill>
+                </a14:hiddenFill>
+              </a:ext>
+              <a:ext uri="{91240B29-F687-4F45-9708-019B960494DF}">
+                <a14:hiddenLine xmlns:a14="http://schemas.microsoft.com/office/drawing/2010/main" w="9525">
+                  <a:solidFill>
+                    <a:schemeClr val="tx1"/>
+                  </a:solidFill>
+                  <a:miter lim="800000"/>
+                  <a:headEnd/>
+                  <a:tailEnd/>
+                </a14:hiddenLine>
+              </a:ext>
+            </a:extLst>
+          </p:spPr>
+        </p:pic>
+      </p:grpSp>
+      <p:pic>
+        <p:nvPicPr>
+          <p:cNvPr id="1029" name="Picture 5"/>
+          <p:cNvPicPr>
+            <a:picLocks noChangeAspect="1" noChangeArrowheads="1"/>
+          </p:cNvPicPr>
+          <p:nvPr/>
+        </p:nvPicPr>
+        <p:blipFill rotWithShape="1">
+          <a:blip r:embed="rId6" cstate="print">
+            <a:extLst>
+              <a:ext uri="{28A0092B-C50C-407E-A947-70E740481C1C}">
+                <a14:useLocalDpi xmlns:a14="http://schemas.microsoft.com/office/drawing/2010/main" val="0"/>
+              </a:ext>
+            </a:extLst>
+          </a:blip>
+          <a:srcRect t="18296" b="40428"/>
+          <a:stretch/>
+        </p:blipFill>
+        <p:spPr bwMode="auto">
+          <a:xfrm>
+            <a:off x="1801000" y="3933056"/>
+            <a:ext cx="2849087" cy="2320895"/>
+          </a:xfrm>
+          <a:prstGeom prst="rect">
+            <a:avLst/>
+          </a:prstGeom>
+          <a:noFill/>
+          <a:ln>
+            <a:noFill/>
+          </a:ln>
+          <a:extLst>
+            <a:ext uri="{909E8E84-426E-40DD-AFC4-6F175D3DCCD1}">
+              <a14:hiddenFill xmlns:a14="http://schemas.microsoft.com/office/drawing/2010/main">
+                <a:solidFill>
+                  <a:schemeClr val="accent1"/>
+                </a:solidFill>
+              </a14:hiddenFill>
+            </a:ext>
+            <a:ext uri="{91240B29-F687-4F45-9708-019B960494DF}">
+              <a14:hiddenLine xmlns:a14="http://schemas.microsoft.com/office/drawing/2010/main" w="9525">
+                <a:solidFill>
+                  <a:schemeClr val="tx1"/>
+                </a:solidFill>
+                <a:miter lim="800000"/>
+                <a:headEnd/>
+                <a:tailEnd/>
+              </a14:hiddenLine>
             </a:ext>
           </a:extLst>
         </p:spPr>
